--- a/Py Web Unit2b.pptx
+++ b/Py Web Unit2b.pptx
@@ -4,6 +4,9 @@
   <p:sldMasterIdLst>
     <p:sldMasterId id="2147483690" r:id="rId1"/>
   </p:sldMasterIdLst>
+  <p:notesMasterIdLst>
+    <p:notesMasterId r:id="rId26"/>
+  </p:notesMasterIdLst>
   <p:sldIdLst>
     <p:sldId id="256" r:id="rId2"/>
     <p:sldId id="284" r:id="rId3"/>
@@ -22,6 +25,13 @@
     <p:sldId id="297" r:id="rId16"/>
     <p:sldId id="294" r:id="rId17"/>
     <p:sldId id="299" r:id="rId18"/>
+    <p:sldId id="300" r:id="rId19"/>
+    <p:sldId id="301" r:id="rId20"/>
+    <p:sldId id="261" r:id="rId21"/>
+    <p:sldId id="276" r:id="rId22"/>
+    <p:sldId id="263" r:id="rId23"/>
+    <p:sldId id="277" r:id="rId24"/>
+    <p:sldId id="302" r:id="rId25"/>
   </p:sldIdLst>
   <p:sldSz cx="12192000" cy="6858000"/>
   <p:notesSz cx="6858000" cy="9144000"/>
@@ -131,7 +141,7 @@
 <file path=ppt/revisionInfo.xml><?xml version="1.0" encoding="utf-8"?>
 <p1510:revInfo xmlns:a="http://schemas.openxmlformats.org/drawingml/2006/main" xmlns:r="http://schemas.openxmlformats.org/officeDocument/2006/relationships" xmlns:p1510="http://schemas.microsoft.com/office/powerpoint/2015/10/main">
   <p1510:revLst>
-    <p1510:client id="{D29ABEB4-BA84-4509-931E-F56BD309A88C}" v="11" dt="2021-09-03T07:50:05.715"/>
+    <p1510:client id="{D29ABEB4-BA84-4509-931E-F56BD309A88C}" v="16" dt="2021-11-01T08:49:18.803"/>
   </p1510:revLst>
 </p1510:revInfo>
 </file>
@@ -141,7 +151,7 @@
   <pc:docChgLst>
     <pc:chgData name="Li Lixiang" userId="6104bbfcb56aea79" providerId="LiveId" clId="{D29ABEB4-BA84-4509-931E-F56BD309A88C}"/>
     <pc:docChg chg="undo custSel addSld delSld modSld">
-      <pc:chgData name="Li Lixiang" userId="6104bbfcb56aea79" providerId="LiveId" clId="{D29ABEB4-BA84-4509-931E-F56BD309A88C}" dt="2021-09-05T05:29:29.796" v="2134" actId="20577"/>
+      <pc:chgData name="Li Lixiang" userId="6104bbfcb56aea79" providerId="LiveId" clId="{D29ABEB4-BA84-4509-931E-F56BD309A88C}" dt="2021-11-01T14:08:47.432" v="2547" actId="14100"/>
       <pc:docMkLst>
         <pc:docMk/>
       </pc:docMkLst>
@@ -167,15 +177,15 @@
           <pc:sldMk cId="2618729237" sldId="258"/>
         </pc:sldMkLst>
       </pc:sldChg>
-      <pc:sldChg chg="del">
-        <pc:chgData name="Li Lixiang" userId="6104bbfcb56aea79" providerId="LiveId" clId="{D29ABEB4-BA84-4509-931E-F56BD309A88C}" dt="2021-09-02T09:46:24.188" v="28" actId="47"/>
+      <pc:sldChg chg="add del">
+        <pc:chgData name="Li Lixiang" userId="6104bbfcb56aea79" providerId="LiveId" clId="{D29ABEB4-BA84-4509-931E-F56BD309A88C}" dt="2021-11-01T08:48:04.425" v="2499"/>
         <pc:sldMkLst>
           <pc:docMk/>
           <pc:sldMk cId="246451916" sldId="261"/>
         </pc:sldMkLst>
       </pc:sldChg>
-      <pc:sldChg chg="del">
-        <pc:chgData name="Li Lixiang" userId="6104bbfcb56aea79" providerId="LiveId" clId="{D29ABEB4-BA84-4509-931E-F56BD309A88C}" dt="2021-09-02T09:46:25.172" v="30" actId="47"/>
+      <pc:sldChg chg="add del">
+        <pc:chgData name="Li Lixiang" userId="6104bbfcb56aea79" providerId="LiveId" clId="{D29ABEB4-BA84-4509-931E-F56BD309A88C}" dt="2021-11-01T08:48:04.425" v="2499"/>
         <pc:sldMkLst>
           <pc:docMk/>
           <pc:sldMk cId="2587062739" sldId="263"/>
@@ -244,15 +254,15 @@
           <pc:sldMk cId="3858086840" sldId="275"/>
         </pc:sldMkLst>
       </pc:sldChg>
-      <pc:sldChg chg="del">
-        <pc:chgData name="Li Lixiang" userId="6104bbfcb56aea79" providerId="LiveId" clId="{D29ABEB4-BA84-4509-931E-F56BD309A88C}" dt="2021-09-02T09:46:24.673" v="29" actId="47"/>
+      <pc:sldChg chg="add del">
+        <pc:chgData name="Li Lixiang" userId="6104bbfcb56aea79" providerId="LiveId" clId="{D29ABEB4-BA84-4509-931E-F56BD309A88C}" dt="2021-11-01T08:48:04.425" v="2499"/>
         <pc:sldMkLst>
           <pc:docMk/>
           <pc:sldMk cId="285818922" sldId="276"/>
         </pc:sldMkLst>
       </pc:sldChg>
-      <pc:sldChg chg="del">
-        <pc:chgData name="Li Lixiang" userId="6104bbfcb56aea79" providerId="LiveId" clId="{D29ABEB4-BA84-4509-931E-F56BD309A88C}" dt="2021-09-02T09:46:25.626" v="31" actId="47"/>
+      <pc:sldChg chg="add del">
+        <pc:chgData name="Li Lixiang" userId="6104bbfcb56aea79" providerId="LiveId" clId="{D29ABEB4-BA84-4509-931E-F56BD309A88C}" dt="2021-11-01T08:48:04.425" v="2499"/>
         <pc:sldMkLst>
           <pc:docMk/>
           <pc:sldMk cId="3827001385" sldId="277"/>
@@ -387,13 +397,13 @@
         </pc:picChg>
       </pc:sldChg>
       <pc:sldChg chg="addSp delSp modSp mod">
-        <pc:chgData name="Li Lixiang" userId="6104bbfcb56aea79" providerId="LiveId" clId="{D29ABEB4-BA84-4509-931E-F56BD309A88C}" dt="2021-09-03T07:57:28.100" v="1979" actId="27636"/>
+        <pc:chgData name="Li Lixiang" userId="6104bbfcb56aea79" providerId="LiveId" clId="{D29ABEB4-BA84-4509-931E-F56BD309A88C}" dt="2021-10-28T08:36:53.797" v="2255" actId="732"/>
         <pc:sldMkLst>
           <pc:docMk/>
           <pc:sldMk cId="4034383664" sldId="286"/>
         </pc:sldMkLst>
         <pc:spChg chg="mod">
-          <ac:chgData name="Li Lixiang" userId="6104bbfcb56aea79" providerId="LiveId" clId="{D29ABEB4-BA84-4509-931E-F56BD309A88C}" dt="2021-09-03T07:55:30.797" v="1693" actId="1076"/>
+          <ac:chgData name="Li Lixiang" userId="6104bbfcb56aea79" providerId="LiveId" clId="{D29ABEB4-BA84-4509-931E-F56BD309A88C}" dt="2021-10-28T08:36:36.236" v="2254" actId="14100"/>
           <ac:spMkLst>
             <pc:docMk/>
             <pc:sldMk cId="4034383664" sldId="286"/>
@@ -401,7 +411,7 @@
           </ac:spMkLst>
         </pc:spChg>
         <pc:spChg chg="mod">
-          <ac:chgData name="Li Lixiang" userId="6104bbfcb56aea79" providerId="LiveId" clId="{D29ABEB4-BA84-4509-931E-F56BD309A88C}" dt="2021-09-03T07:57:28.100" v="1979" actId="27636"/>
+          <ac:chgData name="Li Lixiang" userId="6104bbfcb56aea79" providerId="LiveId" clId="{D29ABEB4-BA84-4509-931E-F56BD309A88C}" dt="2021-10-28T08:28:48.857" v="2242" actId="1037"/>
           <ac:spMkLst>
             <pc:docMk/>
             <pc:sldMk cId="4034383664" sldId="286"/>
@@ -409,19 +419,43 @@
           </ac:spMkLst>
         </pc:spChg>
         <pc:spChg chg="mod">
-          <ac:chgData name="Li Lixiang" userId="6104bbfcb56aea79" providerId="LiveId" clId="{D29ABEB4-BA84-4509-931E-F56BD309A88C}" dt="2021-09-03T07:53:58.410" v="1680" actId="1076"/>
+          <ac:chgData name="Li Lixiang" userId="6104bbfcb56aea79" providerId="LiveId" clId="{D29ABEB4-BA84-4509-931E-F56BD309A88C}" dt="2021-10-28T08:36:16.244" v="2251" actId="14100"/>
           <ac:spMkLst>
             <pc:docMk/>
             <pc:sldMk cId="4034383664" sldId="286"/>
             <ac:spMk id="13" creationId="{1505C0AD-E162-480D-AC5E-5465A6B88E1F}"/>
           </ac:spMkLst>
         </pc:spChg>
+        <pc:spChg chg="mod">
+          <ac:chgData name="Li Lixiang" userId="6104bbfcb56aea79" providerId="LiveId" clId="{D29ABEB4-BA84-4509-931E-F56BD309A88C}" dt="2021-10-28T08:36:00.627" v="2248" actId="14100"/>
+          <ac:spMkLst>
+            <pc:docMk/>
+            <pc:sldMk cId="4034383664" sldId="286"/>
+            <ac:spMk id="14" creationId="{09ADCF81-4F4B-401E-9B99-CC2DFFC2EDB7}"/>
+          </ac:spMkLst>
+        </pc:spChg>
         <pc:picChg chg="add mod ord modCrop">
-          <ac:chgData name="Li Lixiang" userId="6104bbfcb56aea79" providerId="LiveId" clId="{D29ABEB4-BA84-4509-931E-F56BD309A88C}" dt="2021-09-03T07:53:47.881" v="1679" actId="1076"/>
+          <ac:chgData name="Li Lixiang" userId="6104bbfcb56aea79" providerId="LiveId" clId="{D29ABEB4-BA84-4509-931E-F56BD309A88C}" dt="2021-10-28T08:36:53.797" v="2255" actId="732"/>
+          <ac:picMkLst>
+            <pc:docMk/>
+            <pc:sldMk cId="4034383664" sldId="286"/>
+            <ac:picMk id="3" creationId="{0333CB10-1ABA-4B61-8AD8-1B6CC4176806}"/>
+          </ac:picMkLst>
+        </pc:picChg>
+        <pc:picChg chg="add del mod ord modCrop">
+          <ac:chgData name="Li Lixiang" userId="6104bbfcb56aea79" providerId="LiveId" clId="{D29ABEB4-BA84-4509-931E-F56BD309A88C}" dt="2021-10-18T04:11:13.159" v="2139" actId="478"/>
           <ac:picMkLst>
             <pc:docMk/>
             <pc:sldMk cId="4034383664" sldId="286"/>
             <ac:picMk id="3" creationId="{7F16AA20-EC19-4AD2-824A-20DDB8E5F83D}"/>
+          </ac:picMkLst>
+        </pc:picChg>
+        <pc:picChg chg="add del mod ord modCrop">
+          <ac:chgData name="Li Lixiang" userId="6104bbfcb56aea79" providerId="LiveId" clId="{D29ABEB4-BA84-4509-931E-F56BD309A88C}" dt="2021-10-28T08:35:24.623" v="2243" actId="478"/>
+          <ac:picMkLst>
+            <pc:docMk/>
+            <pc:sldMk cId="4034383664" sldId="286"/>
+            <ac:picMk id="4" creationId="{5B95F3A8-6FD6-4D4E-8625-CB1519E75F9B}"/>
           </ac:picMkLst>
         </pc:picChg>
         <pc:picChg chg="del">
@@ -434,11 +468,19 @@
         </pc:picChg>
       </pc:sldChg>
       <pc:sldChg chg="addSp delSp modSp mod">
-        <pc:chgData name="Li Lixiang" userId="6104bbfcb56aea79" providerId="LiveId" clId="{D29ABEB4-BA84-4509-931E-F56BD309A88C}" dt="2021-09-03T07:59:48.318" v="1990" actId="1076"/>
+        <pc:chgData name="Li Lixiang" userId="6104bbfcb56aea79" providerId="LiveId" clId="{D29ABEB4-BA84-4509-931E-F56BD309A88C}" dt="2021-10-28T08:28:33.059" v="2237" actId="1038"/>
         <pc:sldMkLst>
           <pc:docMk/>
           <pc:sldMk cId="1839538480" sldId="287"/>
         </pc:sldMkLst>
+        <pc:spChg chg="mod">
+          <ac:chgData name="Li Lixiang" userId="6104bbfcb56aea79" providerId="LiveId" clId="{D29ABEB4-BA84-4509-931E-F56BD309A88C}" dt="2021-10-28T08:28:33.059" v="2237" actId="1038"/>
+          <ac:spMkLst>
+            <pc:docMk/>
+            <pc:sldMk cId="1839538480" sldId="287"/>
+            <ac:spMk id="7" creationId="{7119D391-B1AE-4194-9C61-69C76049FDF1}"/>
+          </ac:spMkLst>
+        </pc:spChg>
         <pc:spChg chg="mod">
           <ac:chgData name="Li Lixiang" userId="6104bbfcb56aea79" providerId="LiveId" clId="{D29ABEB4-BA84-4509-931E-F56BD309A88C}" dt="2021-09-03T07:52:02.280" v="1671" actId="14100"/>
           <ac:spMkLst>
@@ -504,7 +546,7 @@
         </pc:picChg>
       </pc:sldChg>
       <pc:sldChg chg="delSp modSp mod">
-        <pc:chgData name="Li Lixiang" userId="6104bbfcb56aea79" providerId="LiveId" clId="{D29ABEB4-BA84-4509-931E-F56BD309A88C}" dt="2021-09-05T05:29:29.796" v="2134" actId="20577"/>
+        <pc:chgData name="Li Lixiang" userId="6104bbfcb56aea79" providerId="LiveId" clId="{D29ABEB4-BA84-4509-931E-F56BD309A88C}" dt="2021-10-18T04:12:19.444" v="2193" actId="6549"/>
         <pc:sldMkLst>
           <pc:docMk/>
           <pc:sldMk cId="3803551730" sldId="289"/>
@@ -518,7 +560,15 @@
           </ac:spMkLst>
         </pc:spChg>
         <pc:spChg chg="mod">
-          <ac:chgData name="Li Lixiang" userId="6104bbfcb56aea79" providerId="LiveId" clId="{D29ABEB4-BA84-4509-931E-F56BD309A88C}" dt="2021-09-05T05:29:29.796" v="2134" actId="20577"/>
+          <ac:chgData name="Li Lixiang" userId="6104bbfcb56aea79" providerId="LiveId" clId="{D29ABEB4-BA84-4509-931E-F56BD309A88C}" dt="2021-10-18T04:12:00.826" v="2156" actId="20577"/>
+          <ac:spMkLst>
+            <pc:docMk/>
+            <pc:sldMk cId="3803551730" sldId="289"/>
+            <ac:spMk id="4" creationId="{F49210E7-F543-44A6-8250-E18EA456A359}"/>
+          </ac:spMkLst>
+        </pc:spChg>
+        <pc:spChg chg="mod">
+          <ac:chgData name="Li Lixiang" userId="6104bbfcb56aea79" providerId="LiveId" clId="{D29ABEB4-BA84-4509-931E-F56BD309A88C}" dt="2021-10-18T04:12:19.444" v="2193" actId="6549"/>
           <ac:spMkLst>
             <pc:docMk/>
             <pc:sldMk cId="3803551730" sldId="289"/>
@@ -574,7 +624,7 @@
         </pc:spChg>
       </pc:sldChg>
       <pc:sldChg chg="addSp modSp new mod">
-        <pc:chgData name="Li Lixiang" userId="6104bbfcb56aea79" providerId="LiveId" clId="{D29ABEB4-BA84-4509-931E-F56BD309A88C}" dt="2021-09-02T12:09:03.613" v="934" actId="20577"/>
+        <pc:chgData name="Li Lixiang" userId="6104bbfcb56aea79" providerId="LiveId" clId="{D29ABEB4-BA84-4509-931E-F56BD309A88C}" dt="2021-10-18T04:13:03.231" v="2230" actId="27636"/>
         <pc:sldMkLst>
           <pc:docMk/>
           <pc:sldMk cId="32353519" sldId="291"/>
@@ -596,7 +646,7 @@
           </ac:spMkLst>
         </pc:spChg>
         <pc:spChg chg="add mod">
-          <ac:chgData name="Li Lixiang" userId="6104bbfcb56aea79" providerId="LiveId" clId="{D29ABEB4-BA84-4509-931E-F56BD309A88C}" dt="2021-09-02T12:09:03.613" v="934" actId="20577"/>
+          <ac:chgData name="Li Lixiang" userId="6104bbfcb56aea79" providerId="LiveId" clId="{D29ABEB4-BA84-4509-931E-F56BD309A88C}" dt="2021-10-18T04:13:03.231" v="2230" actId="27636"/>
           <ac:spMkLst>
             <pc:docMk/>
             <pc:sldMk cId="32353519" sldId="291"/>
@@ -604,7 +654,7 @@
           </ac:spMkLst>
         </pc:spChg>
         <pc:spChg chg="add mod">
-          <ac:chgData name="Li Lixiang" userId="6104bbfcb56aea79" providerId="LiveId" clId="{D29ABEB4-BA84-4509-931E-F56BD309A88C}" dt="2021-09-02T12:08:54.101" v="929" actId="20577"/>
+          <ac:chgData name="Li Lixiang" userId="6104bbfcb56aea79" providerId="LiveId" clId="{D29ABEB4-BA84-4509-931E-F56BD309A88C}" dt="2021-10-18T04:12:46.541" v="2211" actId="6549"/>
           <ac:spMkLst>
             <pc:docMk/>
             <pc:sldMk cId="32353519" sldId="291"/>
@@ -613,7 +663,7 @@
         </pc:spChg>
       </pc:sldChg>
       <pc:sldChg chg="addSp delSp modSp new mod">
-        <pc:chgData name="Li Lixiang" userId="6104bbfcb56aea79" providerId="LiveId" clId="{D29ABEB4-BA84-4509-931E-F56BD309A88C}" dt="2021-09-02T12:33:31.151" v="1022" actId="27636"/>
+        <pc:chgData name="Li Lixiang" userId="6104bbfcb56aea79" providerId="LiveId" clId="{D29ABEB4-BA84-4509-931E-F56BD309A88C}" dt="2021-11-01T14:08:47.432" v="2547" actId="14100"/>
         <pc:sldMkLst>
           <pc:docMk/>
           <pc:sldMk cId="1980415125" sldId="292"/>
@@ -635,7 +685,7 @@
           </ac:spMkLst>
         </pc:spChg>
         <pc:spChg chg="add mod">
-          <ac:chgData name="Li Lixiang" userId="6104bbfcb56aea79" providerId="LiveId" clId="{D29ABEB4-BA84-4509-931E-F56BD309A88C}" dt="2021-09-02T12:33:31.151" v="1022" actId="27636"/>
+          <ac:chgData name="Li Lixiang" userId="6104bbfcb56aea79" providerId="LiveId" clId="{D29ABEB4-BA84-4509-931E-F56BD309A88C}" dt="2021-11-01T14:08:47.432" v="2547" actId="14100"/>
           <ac:spMkLst>
             <pc:docMk/>
             <pc:sldMk cId="1980415125" sldId="292"/>
@@ -644,7 +694,7 @@
         </pc:spChg>
       </pc:sldChg>
       <pc:sldChg chg="addSp delSp modSp new mod">
-        <pc:chgData name="Li Lixiang" userId="6104bbfcb56aea79" providerId="LiveId" clId="{D29ABEB4-BA84-4509-931E-F56BD309A88C}" dt="2021-09-02T15:23:11.846" v="1387" actId="21"/>
+        <pc:chgData name="Li Lixiang" userId="6104bbfcb56aea79" providerId="LiveId" clId="{D29ABEB4-BA84-4509-931E-F56BD309A88C}" dt="2021-10-28T08:42:40.143" v="2275" actId="20577"/>
         <pc:sldMkLst>
           <pc:docMk/>
           <pc:sldMk cId="1802936973" sldId="293"/>
@@ -658,7 +708,7 @@
           </ac:spMkLst>
         </pc:spChg>
         <pc:spChg chg="mod">
-          <ac:chgData name="Li Lixiang" userId="6104bbfcb56aea79" providerId="LiveId" clId="{D29ABEB4-BA84-4509-931E-F56BD309A88C}" dt="2021-09-02T15:21:46.981" v="1381" actId="1035"/>
+          <ac:chgData name="Li Lixiang" userId="6104bbfcb56aea79" providerId="LiveId" clId="{D29ABEB4-BA84-4509-931E-F56BD309A88C}" dt="2021-10-28T08:42:40.143" v="2275" actId="20577"/>
           <ac:spMkLst>
             <pc:docMk/>
             <pc:sldMk cId="1802936973" sldId="293"/>
@@ -683,7 +733,7 @@
         </pc:picChg>
       </pc:sldChg>
       <pc:sldChg chg="modSp add mod">
-        <pc:chgData name="Li Lixiang" userId="6104bbfcb56aea79" providerId="LiveId" clId="{D29ABEB4-BA84-4509-931E-F56BD309A88C}" dt="2021-09-02T15:21:31.992" v="1363" actId="27636"/>
+        <pc:chgData name="Li Lixiang" userId="6104bbfcb56aea79" providerId="LiveId" clId="{D29ABEB4-BA84-4509-931E-F56BD309A88C}" dt="2021-10-28T08:44:03.631" v="2364" actId="1036"/>
         <pc:sldMkLst>
           <pc:docMk/>
           <pc:sldMk cId="2085995349" sldId="294"/>
@@ -697,16 +747,24 @@
           </ac:spMkLst>
         </pc:spChg>
         <pc:spChg chg="mod">
-          <ac:chgData name="Li Lixiang" userId="6104bbfcb56aea79" providerId="LiveId" clId="{D29ABEB4-BA84-4509-931E-F56BD309A88C}" dt="2021-09-02T15:21:31.992" v="1363" actId="27636"/>
+          <ac:chgData name="Li Lixiang" userId="6104bbfcb56aea79" providerId="LiveId" clId="{D29ABEB4-BA84-4509-931E-F56BD309A88C}" dt="2021-10-28T08:43:53.626" v="2356" actId="20577"/>
           <ac:spMkLst>
             <pc:docMk/>
             <pc:sldMk cId="2085995349" sldId="294"/>
             <ac:spMk id="3" creationId="{F78F54C3-078E-4DBD-94FB-2C29CC144C6F}"/>
           </ac:spMkLst>
         </pc:spChg>
+        <pc:spChg chg="mod">
+          <ac:chgData name="Li Lixiang" userId="6104bbfcb56aea79" providerId="LiveId" clId="{D29ABEB4-BA84-4509-931E-F56BD309A88C}" dt="2021-10-28T08:44:03.631" v="2364" actId="1036"/>
+          <ac:spMkLst>
+            <pc:docMk/>
+            <pc:sldMk cId="2085995349" sldId="294"/>
+            <ac:spMk id="4" creationId="{CD11EB37-445D-4D79-9B6D-0AD923FBF1D6}"/>
+          </ac:spMkLst>
+        </pc:spChg>
       </pc:sldChg>
       <pc:sldChg chg="addSp delSp modSp new mod">
-        <pc:chgData name="Li Lixiang" userId="6104bbfcb56aea79" providerId="LiveId" clId="{D29ABEB4-BA84-4509-931E-F56BD309A88C}" dt="2021-09-02T15:23:57.554" v="1395" actId="478"/>
+        <pc:chgData name="Li Lixiang" userId="6104bbfcb56aea79" providerId="LiveId" clId="{D29ABEB4-BA84-4509-931E-F56BD309A88C}" dt="2021-10-28T08:43:11.343" v="2303" actId="20577"/>
         <pc:sldMkLst>
           <pc:docMk/>
           <pc:sldMk cId="3561739981" sldId="295"/>
@@ -725,6 +783,14 @@
             <pc:docMk/>
             <pc:sldMk cId="3561739981" sldId="295"/>
             <ac:spMk id="3" creationId="{AB4C4EB7-5E0A-4255-8545-1A81348F80C0}"/>
+          </ac:spMkLst>
+        </pc:spChg>
+        <pc:spChg chg="add mod">
+          <ac:chgData name="Li Lixiang" userId="6104bbfcb56aea79" providerId="LiveId" clId="{D29ABEB4-BA84-4509-931E-F56BD309A88C}" dt="2021-10-28T08:43:11.343" v="2303" actId="20577"/>
+          <ac:spMkLst>
+            <pc:docMk/>
+            <pc:sldMk cId="3561739981" sldId="295"/>
+            <ac:spMk id="3" creationId="{B0FA1999-4C0F-47A1-B84D-DFA7D08F763B}"/>
           </ac:spMkLst>
         </pc:spChg>
         <pc:picChg chg="add mod">
@@ -845,14 +911,14 @@
           </ac:picMkLst>
         </pc:picChg>
       </pc:sldChg>
-      <pc:sldChg chg="modSp new mod">
-        <pc:chgData name="Li Lixiang" userId="6104bbfcb56aea79" providerId="LiveId" clId="{D29ABEB4-BA84-4509-931E-F56BD309A88C}" dt="2021-09-03T08:04:20.380" v="2126" actId="14100"/>
+      <pc:sldChg chg="addSp modSp new mod">
+        <pc:chgData name="Li Lixiang" userId="6104bbfcb56aea79" providerId="LiveId" clId="{D29ABEB4-BA84-4509-931E-F56BD309A88C}" dt="2021-10-28T08:46:08.987" v="2498" actId="20577"/>
         <pc:sldMkLst>
           <pc:docMk/>
           <pc:sldMk cId="1941142259" sldId="299"/>
         </pc:sldMkLst>
         <pc:spChg chg="mod">
-          <ac:chgData name="Li Lixiang" userId="6104bbfcb56aea79" providerId="LiveId" clId="{D29ABEB4-BA84-4509-931E-F56BD309A88C}" dt="2021-09-03T08:03:47.721" v="2053" actId="20577"/>
+          <ac:chgData name="Li Lixiang" userId="6104bbfcb56aea79" providerId="LiveId" clId="{D29ABEB4-BA84-4509-931E-F56BD309A88C}" dt="2021-10-28T08:46:08.987" v="2498" actId="20577"/>
           <ac:spMkLst>
             <pc:docMk/>
             <pc:sldMk cId="1941142259" sldId="299"/>
@@ -860,11 +926,96 @@
           </ac:spMkLst>
         </pc:spChg>
         <pc:spChg chg="mod">
-          <ac:chgData name="Li Lixiang" userId="6104bbfcb56aea79" providerId="LiveId" clId="{D29ABEB4-BA84-4509-931E-F56BD309A88C}" dt="2021-09-03T08:04:20.380" v="2126" actId="14100"/>
+          <ac:chgData name="Li Lixiang" userId="6104bbfcb56aea79" providerId="LiveId" clId="{D29ABEB4-BA84-4509-931E-F56BD309A88C}" dt="2021-10-28T08:44:54.125" v="2473" actId="20577"/>
           <ac:spMkLst>
             <pc:docMk/>
             <pc:sldMk cId="1941142259" sldId="299"/>
             <ac:spMk id="3" creationId="{BBA6548A-A7B5-48DE-A17B-2F99080CF825}"/>
+          </ac:spMkLst>
+        </pc:spChg>
+        <pc:spChg chg="add mod">
+          <ac:chgData name="Li Lixiang" userId="6104bbfcb56aea79" providerId="LiveId" clId="{D29ABEB4-BA84-4509-931E-F56BD309A88C}" dt="2021-10-28T08:45:44.648" v="2488" actId="20577"/>
+          <ac:spMkLst>
+            <pc:docMk/>
+            <pc:sldMk cId="1941142259" sldId="299"/>
+            <ac:spMk id="4" creationId="{11258856-EF0F-4941-8149-0F7A247B7603}"/>
+          </ac:spMkLst>
+        </pc:spChg>
+      </pc:sldChg>
+      <pc:sldChg chg="add">
+        <pc:chgData name="Li Lixiang" userId="6104bbfcb56aea79" providerId="LiveId" clId="{D29ABEB4-BA84-4509-931E-F56BD309A88C}" dt="2021-11-01T08:48:04.425" v="2499"/>
+        <pc:sldMkLst>
+          <pc:docMk/>
+          <pc:sldMk cId="729408814" sldId="300"/>
+        </pc:sldMkLst>
+      </pc:sldChg>
+      <pc:sldChg chg="addSp delSp modSp add mod">
+        <pc:chgData name="Li Lixiang" userId="6104bbfcb56aea79" providerId="LiveId" clId="{D29ABEB4-BA84-4509-931E-F56BD309A88C}" dt="2021-11-01T12:50:24.629" v="2546" actId="1076"/>
+        <pc:sldMkLst>
+          <pc:docMk/>
+          <pc:sldMk cId="3320987705" sldId="301"/>
+        </pc:sldMkLst>
+        <pc:picChg chg="del">
+          <ac:chgData name="Li Lixiang" userId="6104bbfcb56aea79" providerId="LiveId" clId="{D29ABEB4-BA84-4509-931E-F56BD309A88C}" dt="2021-11-01T12:49:49.712" v="2541" actId="478"/>
+          <ac:picMkLst>
+            <pc:docMk/>
+            <pc:sldMk cId="3320987705" sldId="301"/>
+            <ac:picMk id="5" creationId="{58587CF6-24D6-466D-B053-3CC92A75CE73}"/>
+          </ac:picMkLst>
+        </pc:picChg>
+        <pc:picChg chg="add mod modCrop">
+          <ac:chgData name="Li Lixiang" userId="6104bbfcb56aea79" providerId="LiveId" clId="{D29ABEB4-BA84-4509-931E-F56BD309A88C}" dt="2021-11-01T12:50:24.629" v="2546" actId="1076"/>
+          <ac:picMkLst>
+            <pc:docMk/>
+            <pc:sldMk cId="3320987705" sldId="301"/>
+            <ac:picMk id="6" creationId="{92A17A78-EB6A-438C-B735-515DE33B4233}"/>
+          </ac:picMkLst>
+        </pc:picChg>
+      </pc:sldChg>
+      <pc:sldChg chg="addSp delSp modSp add mod">
+        <pc:chgData name="Li Lixiang" userId="6104bbfcb56aea79" providerId="LiveId" clId="{D29ABEB4-BA84-4509-931E-F56BD309A88C}" dt="2021-11-01T08:49:24.623" v="2538" actId="14100"/>
+        <pc:sldMkLst>
+          <pc:docMk/>
+          <pc:sldMk cId="3534041513" sldId="302"/>
+        </pc:sldMkLst>
+        <pc:spChg chg="mod">
+          <ac:chgData name="Li Lixiang" userId="6104bbfcb56aea79" providerId="LiveId" clId="{D29ABEB4-BA84-4509-931E-F56BD309A88C}" dt="2021-11-01T08:48:41.612" v="2518" actId="20577"/>
+          <ac:spMkLst>
+            <pc:docMk/>
+            <pc:sldMk cId="3534041513" sldId="302"/>
+            <ac:spMk id="2" creationId="{D96339A2-EA95-42B1-BF4D-FC256EEED557}"/>
+          </ac:spMkLst>
+        </pc:spChg>
+        <pc:spChg chg="del">
+          <ac:chgData name="Li Lixiang" userId="6104bbfcb56aea79" providerId="LiveId" clId="{D29ABEB4-BA84-4509-931E-F56BD309A88C}" dt="2021-11-01T08:48:46.342" v="2519" actId="478"/>
+          <ac:spMkLst>
+            <pc:docMk/>
+            <pc:sldMk cId="3534041513" sldId="302"/>
+            <ac:spMk id="3" creationId="{BBA6548A-A7B5-48DE-A17B-2F99080CF825}"/>
+          </ac:spMkLst>
+        </pc:spChg>
+        <pc:spChg chg="mod">
+          <ac:chgData name="Li Lixiang" userId="6104bbfcb56aea79" providerId="LiveId" clId="{D29ABEB4-BA84-4509-931E-F56BD309A88C}" dt="2021-11-01T08:49:01.111" v="2535" actId="20577"/>
+          <ac:spMkLst>
+            <pc:docMk/>
+            <pc:sldMk cId="3534041513" sldId="302"/>
+            <ac:spMk id="4" creationId="{11258856-EF0F-4941-8149-0F7A247B7603}"/>
+          </ac:spMkLst>
+        </pc:spChg>
+        <pc:spChg chg="add del mod">
+          <ac:chgData name="Li Lixiang" userId="6104bbfcb56aea79" providerId="LiveId" clId="{D29ABEB4-BA84-4509-931E-F56BD309A88C}" dt="2021-11-01T08:48:48.689" v="2520" actId="478"/>
+          <ac:spMkLst>
+            <pc:docMk/>
+            <pc:sldMk cId="3534041513" sldId="302"/>
+            <ac:spMk id="6" creationId="{6045BEDC-ADFF-43A2-83D5-BC6881361677}"/>
+          </ac:spMkLst>
+        </pc:spChg>
+        <pc:spChg chg="add mod">
+          <ac:chgData name="Li Lixiang" userId="6104bbfcb56aea79" providerId="LiveId" clId="{D29ABEB4-BA84-4509-931E-F56BD309A88C}" dt="2021-11-01T08:49:24.623" v="2538" actId="14100"/>
+          <ac:spMkLst>
+            <pc:docMk/>
+            <pc:sldMk cId="3534041513" sldId="302"/>
+            <ac:spMk id="7" creationId="{3749AE27-894D-45C1-95D4-1DB1254A1618}"/>
           </ac:spMkLst>
         </pc:spChg>
       </pc:sldChg>
@@ -3829,6 +3980,440 @@
     </pc:docChg>
   </pc:docChgLst>
 </pc:chgInfo>
+</file>
+
+<file path=ppt/notesMasters/notesMaster1.xml><?xml version="1.0" encoding="utf-8"?>
+<p:notesMaster xmlns:a="http://schemas.openxmlformats.org/drawingml/2006/main" xmlns:r="http://schemas.openxmlformats.org/officeDocument/2006/relationships" xmlns:p="http://schemas.openxmlformats.org/presentationml/2006/main">
+  <p:cSld>
+    <p:bg>
+      <p:bgRef idx="1001">
+        <a:schemeClr val="bg1"/>
+      </p:bgRef>
+    </p:bg>
+    <p:spTree>
+      <p:nvGrpSpPr>
+        <p:cNvPr id="1" name=""/>
+        <p:cNvGrpSpPr/>
+        <p:nvPr/>
+      </p:nvGrpSpPr>
+      <p:grpSpPr>
+        <a:xfrm>
+          <a:off x="0" y="0"/>
+          <a:ext cx="0" cy="0"/>
+          <a:chOff x="0" y="0"/>
+          <a:chExt cx="0" cy="0"/>
+        </a:xfrm>
+      </p:grpSpPr>
+      <p:sp>
+        <p:nvSpPr>
+          <p:cNvPr id="2" name="Header Placeholder 1"/>
+          <p:cNvSpPr>
+            <a:spLocks noGrp="1"/>
+          </p:cNvSpPr>
+          <p:nvPr>
+            <p:ph type="hdr" sz="quarter"/>
+          </p:nvPr>
+        </p:nvSpPr>
+        <p:spPr>
+          <a:xfrm>
+            <a:off x="0" y="0"/>
+            <a:ext cx="2971800" cy="458788"/>
+          </a:xfrm>
+          <a:prstGeom prst="rect">
+            <a:avLst/>
+          </a:prstGeom>
+        </p:spPr>
+        <p:txBody>
+          <a:bodyPr vert="horz" lIns="91440" tIns="45720" rIns="91440" bIns="45720" rtlCol="0"/>
+          <a:lstStyle>
+            <a:lvl1pPr algn="l">
+              <a:defRPr sz="1200"/>
+            </a:lvl1pPr>
+          </a:lstStyle>
+          <a:p>
+            <a:endParaRPr lang="en-MY"/>
+          </a:p>
+        </p:txBody>
+      </p:sp>
+      <p:sp>
+        <p:nvSpPr>
+          <p:cNvPr id="3" name="Date Placeholder 2"/>
+          <p:cNvSpPr>
+            <a:spLocks noGrp="1"/>
+          </p:cNvSpPr>
+          <p:nvPr>
+            <p:ph type="dt" idx="1"/>
+          </p:nvPr>
+        </p:nvSpPr>
+        <p:spPr>
+          <a:xfrm>
+            <a:off x="3884613" y="0"/>
+            <a:ext cx="2971800" cy="458788"/>
+          </a:xfrm>
+          <a:prstGeom prst="rect">
+            <a:avLst/>
+          </a:prstGeom>
+        </p:spPr>
+        <p:txBody>
+          <a:bodyPr vert="horz" lIns="91440" tIns="45720" rIns="91440" bIns="45720" rtlCol="0"/>
+          <a:lstStyle>
+            <a:lvl1pPr algn="r">
+              <a:defRPr sz="1200"/>
+            </a:lvl1pPr>
+          </a:lstStyle>
+          <a:p>
+            <a:fld id="{F89C8A47-5BCC-4501-9B0F-CE724ECA9C86}" type="datetimeFigureOut">
+              <a:rPr lang="en-MY" smtClean="0"/>
+              <a:t>1/11/2021</a:t>
+            </a:fld>
+            <a:endParaRPr lang="en-MY"/>
+          </a:p>
+        </p:txBody>
+      </p:sp>
+      <p:sp>
+        <p:nvSpPr>
+          <p:cNvPr id="4" name="Slide Image Placeholder 3"/>
+          <p:cNvSpPr>
+            <a:spLocks noGrp="1" noRot="1" noChangeAspect="1"/>
+          </p:cNvSpPr>
+          <p:nvPr>
+            <p:ph type="sldImg" idx="2"/>
+          </p:nvPr>
+        </p:nvSpPr>
+        <p:spPr>
+          <a:xfrm>
+            <a:off x="685800" y="1143000"/>
+            <a:ext cx="5486400" cy="3086100"/>
+          </a:xfrm>
+          <a:prstGeom prst="rect">
+            <a:avLst/>
+          </a:prstGeom>
+          <a:noFill/>
+          <a:ln w="12700">
+            <a:solidFill>
+              <a:prstClr val="black"/>
+            </a:solidFill>
+          </a:ln>
+        </p:spPr>
+        <p:txBody>
+          <a:bodyPr vert="horz" lIns="91440" tIns="45720" rIns="91440" bIns="45720" rtlCol="0" anchor="ctr"/>
+          <a:lstStyle/>
+          <a:p>
+            <a:endParaRPr lang="en-MY"/>
+          </a:p>
+        </p:txBody>
+      </p:sp>
+      <p:sp>
+        <p:nvSpPr>
+          <p:cNvPr id="5" name="Notes Placeholder 4"/>
+          <p:cNvSpPr>
+            <a:spLocks noGrp="1"/>
+          </p:cNvSpPr>
+          <p:nvPr>
+            <p:ph type="body" sz="quarter" idx="3"/>
+          </p:nvPr>
+        </p:nvSpPr>
+        <p:spPr>
+          <a:xfrm>
+            <a:off x="685800" y="4400550"/>
+            <a:ext cx="5486400" cy="3600450"/>
+          </a:xfrm>
+          <a:prstGeom prst="rect">
+            <a:avLst/>
+          </a:prstGeom>
+        </p:spPr>
+        <p:txBody>
+          <a:bodyPr vert="horz" lIns="91440" tIns="45720" rIns="91440" bIns="45720" rtlCol="0"/>
+          <a:lstStyle/>
+          <a:p>
+            <a:pPr lvl="0"/>
+            <a:r>
+              <a:rPr lang="en-US"/>
+              <a:t>Click to edit Master text styles</a:t>
+            </a:r>
+          </a:p>
+          <a:p>
+            <a:pPr lvl="1"/>
+            <a:r>
+              <a:rPr lang="en-US"/>
+              <a:t>Second level</a:t>
+            </a:r>
+          </a:p>
+          <a:p>
+            <a:pPr lvl="2"/>
+            <a:r>
+              <a:rPr lang="en-US"/>
+              <a:t>Third level</a:t>
+            </a:r>
+          </a:p>
+          <a:p>
+            <a:pPr lvl="3"/>
+            <a:r>
+              <a:rPr lang="en-US"/>
+              <a:t>Fourth level</a:t>
+            </a:r>
+          </a:p>
+          <a:p>
+            <a:pPr lvl="4"/>
+            <a:r>
+              <a:rPr lang="en-US"/>
+              <a:t>Fifth level</a:t>
+            </a:r>
+            <a:endParaRPr lang="en-MY"/>
+          </a:p>
+        </p:txBody>
+      </p:sp>
+      <p:sp>
+        <p:nvSpPr>
+          <p:cNvPr id="6" name="Footer Placeholder 5"/>
+          <p:cNvSpPr>
+            <a:spLocks noGrp="1"/>
+          </p:cNvSpPr>
+          <p:nvPr>
+            <p:ph type="ftr" sz="quarter" idx="4"/>
+          </p:nvPr>
+        </p:nvSpPr>
+        <p:spPr>
+          <a:xfrm>
+            <a:off x="0" y="8685213"/>
+            <a:ext cx="2971800" cy="458787"/>
+          </a:xfrm>
+          <a:prstGeom prst="rect">
+            <a:avLst/>
+          </a:prstGeom>
+        </p:spPr>
+        <p:txBody>
+          <a:bodyPr vert="horz" lIns="91440" tIns="45720" rIns="91440" bIns="45720" rtlCol="0" anchor="b"/>
+          <a:lstStyle>
+            <a:lvl1pPr algn="l">
+              <a:defRPr sz="1200"/>
+            </a:lvl1pPr>
+          </a:lstStyle>
+          <a:p>
+            <a:endParaRPr lang="en-MY"/>
+          </a:p>
+        </p:txBody>
+      </p:sp>
+      <p:sp>
+        <p:nvSpPr>
+          <p:cNvPr id="7" name="Slide Number Placeholder 6"/>
+          <p:cNvSpPr>
+            <a:spLocks noGrp="1"/>
+          </p:cNvSpPr>
+          <p:nvPr>
+            <p:ph type="sldNum" sz="quarter" idx="5"/>
+          </p:nvPr>
+        </p:nvSpPr>
+        <p:spPr>
+          <a:xfrm>
+            <a:off x="3884613" y="8685213"/>
+            <a:ext cx="2971800" cy="458787"/>
+          </a:xfrm>
+          <a:prstGeom prst="rect">
+            <a:avLst/>
+          </a:prstGeom>
+        </p:spPr>
+        <p:txBody>
+          <a:bodyPr vert="horz" lIns="91440" tIns="45720" rIns="91440" bIns="45720" rtlCol="0" anchor="b"/>
+          <a:lstStyle>
+            <a:lvl1pPr algn="r">
+              <a:defRPr sz="1200"/>
+            </a:lvl1pPr>
+          </a:lstStyle>
+          <a:p>
+            <a:fld id="{A21A1854-2595-407F-A6F3-B9E02B9BC470}" type="slidenum">
+              <a:rPr lang="en-MY" smtClean="0"/>
+              <a:t>‹#›</a:t>
+            </a:fld>
+            <a:endParaRPr lang="en-MY"/>
+          </a:p>
+        </p:txBody>
+      </p:sp>
+    </p:spTree>
+    <p:extLst>
+      <p:ext uri="{BB962C8B-B14F-4D97-AF65-F5344CB8AC3E}">
+        <p14:creationId xmlns:p14="http://schemas.microsoft.com/office/powerpoint/2010/main" val="2859057671"/>
+      </p:ext>
+    </p:extLst>
+  </p:cSld>
+  <p:clrMap bg1="lt1" tx1="dk1" bg2="lt2" tx2="dk2" accent1="accent1" accent2="accent2" accent3="accent3" accent4="accent4" accent5="accent5" accent6="accent6" hlink="hlink" folHlink="folHlink"/>
+  <p:notesStyle>
+    <a:lvl1pPr marL="0" algn="l" defTabSz="914400" rtl="0" eaLnBrk="1" latinLnBrk="0" hangingPunct="1">
+      <a:defRPr sz="1200" kern="1200">
+        <a:solidFill>
+          <a:schemeClr val="tx1"/>
+        </a:solidFill>
+        <a:latin typeface="+mn-lt"/>
+        <a:ea typeface="+mn-ea"/>
+        <a:cs typeface="+mn-cs"/>
+      </a:defRPr>
+    </a:lvl1pPr>
+    <a:lvl2pPr marL="457200" algn="l" defTabSz="914400" rtl="0" eaLnBrk="1" latinLnBrk="0" hangingPunct="1">
+      <a:defRPr sz="1200" kern="1200">
+        <a:solidFill>
+          <a:schemeClr val="tx1"/>
+        </a:solidFill>
+        <a:latin typeface="+mn-lt"/>
+        <a:ea typeface="+mn-ea"/>
+        <a:cs typeface="+mn-cs"/>
+      </a:defRPr>
+    </a:lvl2pPr>
+    <a:lvl3pPr marL="914400" algn="l" defTabSz="914400" rtl="0" eaLnBrk="1" latinLnBrk="0" hangingPunct="1">
+      <a:defRPr sz="1200" kern="1200">
+        <a:solidFill>
+          <a:schemeClr val="tx1"/>
+        </a:solidFill>
+        <a:latin typeface="+mn-lt"/>
+        <a:ea typeface="+mn-ea"/>
+        <a:cs typeface="+mn-cs"/>
+      </a:defRPr>
+    </a:lvl3pPr>
+    <a:lvl4pPr marL="1371600" algn="l" defTabSz="914400" rtl="0" eaLnBrk="1" latinLnBrk="0" hangingPunct="1">
+      <a:defRPr sz="1200" kern="1200">
+        <a:solidFill>
+          <a:schemeClr val="tx1"/>
+        </a:solidFill>
+        <a:latin typeface="+mn-lt"/>
+        <a:ea typeface="+mn-ea"/>
+        <a:cs typeface="+mn-cs"/>
+      </a:defRPr>
+    </a:lvl4pPr>
+    <a:lvl5pPr marL="1828800" algn="l" defTabSz="914400" rtl="0" eaLnBrk="1" latinLnBrk="0" hangingPunct="1">
+      <a:defRPr sz="1200" kern="1200">
+        <a:solidFill>
+          <a:schemeClr val="tx1"/>
+        </a:solidFill>
+        <a:latin typeface="+mn-lt"/>
+        <a:ea typeface="+mn-ea"/>
+        <a:cs typeface="+mn-cs"/>
+      </a:defRPr>
+    </a:lvl5pPr>
+    <a:lvl6pPr marL="2286000" algn="l" defTabSz="914400" rtl="0" eaLnBrk="1" latinLnBrk="0" hangingPunct="1">
+      <a:defRPr sz="1200" kern="1200">
+        <a:solidFill>
+          <a:schemeClr val="tx1"/>
+        </a:solidFill>
+        <a:latin typeface="+mn-lt"/>
+        <a:ea typeface="+mn-ea"/>
+        <a:cs typeface="+mn-cs"/>
+      </a:defRPr>
+    </a:lvl6pPr>
+    <a:lvl7pPr marL="2743200" algn="l" defTabSz="914400" rtl="0" eaLnBrk="1" latinLnBrk="0" hangingPunct="1">
+      <a:defRPr sz="1200" kern="1200">
+        <a:solidFill>
+          <a:schemeClr val="tx1"/>
+        </a:solidFill>
+        <a:latin typeface="+mn-lt"/>
+        <a:ea typeface="+mn-ea"/>
+        <a:cs typeface="+mn-cs"/>
+      </a:defRPr>
+    </a:lvl7pPr>
+    <a:lvl8pPr marL="3200400" algn="l" defTabSz="914400" rtl="0" eaLnBrk="1" latinLnBrk="0" hangingPunct="1">
+      <a:defRPr sz="1200" kern="1200">
+        <a:solidFill>
+          <a:schemeClr val="tx1"/>
+        </a:solidFill>
+        <a:latin typeface="+mn-lt"/>
+        <a:ea typeface="+mn-ea"/>
+        <a:cs typeface="+mn-cs"/>
+      </a:defRPr>
+    </a:lvl8pPr>
+    <a:lvl9pPr marL="3657600" algn="l" defTabSz="914400" rtl="0" eaLnBrk="1" latinLnBrk="0" hangingPunct="1">
+      <a:defRPr sz="1200" kern="1200">
+        <a:solidFill>
+          <a:schemeClr val="tx1"/>
+        </a:solidFill>
+        <a:latin typeface="+mn-lt"/>
+        <a:ea typeface="+mn-ea"/>
+        <a:cs typeface="+mn-cs"/>
+      </a:defRPr>
+    </a:lvl9pPr>
+  </p:notesStyle>
+</p:notesMaster>
+</file>
+
+<file path=ppt/notesSlides/notesSlide1.xml><?xml version="1.0" encoding="utf-8"?>
+<p:notes xmlns:a="http://schemas.openxmlformats.org/drawingml/2006/main" xmlns:r="http://schemas.openxmlformats.org/officeDocument/2006/relationships" xmlns:p="http://schemas.openxmlformats.org/presentationml/2006/main">
+  <p:cSld>
+    <p:spTree>
+      <p:nvGrpSpPr>
+        <p:cNvPr id="1" name=""/>
+        <p:cNvGrpSpPr/>
+        <p:nvPr/>
+      </p:nvGrpSpPr>
+      <p:grpSpPr>
+        <a:xfrm>
+          <a:off x="0" y="0"/>
+          <a:ext cx="0" cy="0"/>
+          <a:chOff x="0" y="0"/>
+          <a:chExt cx="0" cy="0"/>
+        </a:xfrm>
+      </p:grpSpPr>
+      <p:sp>
+        <p:nvSpPr>
+          <p:cNvPr id="2" name="Slide Image Placeholder 1"/>
+          <p:cNvSpPr>
+            <a:spLocks noGrp="1" noRot="1" noChangeAspect="1"/>
+          </p:cNvSpPr>
+          <p:nvPr>
+            <p:ph type="sldImg"/>
+          </p:nvPr>
+        </p:nvSpPr>
+        <p:spPr/>
+      </p:sp>
+      <p:sp>
+        <p:nvSpPr>
+          <p:cNvPr id="3" name="Notes Placeholder 2"/>
+          <p:cNvSpPr>
+            <a:spLocks noGrp="1"/>
+          </p:cNvSpPr>
+          <p:nvPr>
+            <p:ph type="body" idx="1"/>
+          </p:nvPr>
+        </p:nvSpPr>
+        <p:spPr/>
+        <p:txBody>
+          <a:bodyPr/>
+          <a:lstStyle/>
+          <a:p>
+            <a:endParaRPr lang="en-MY" dirty="0"/>
+          </a:p>
+        </p:txBody>
+      </p:sp>
+      <p:sp>
+        <p:nvSpPr>
+          <p:cNvPr id="4" name="Slide Number Placeholder 3"/>
+          <p:cNvSpPr>
+            <a:spLocks noGrp="1"/>
+          </p:cNvSpPr>
+          <p:nvPr>
+            <p:ph type="sldNum" sz="quarter" idx="5"/>
+          </p:nvPr>
+        </p:nvSpPr>
+        <p:spPr/>
+        <p:txBody>
+          <a:bodyPr/>
+          <a:lstStyle/>
+          <a:p>
+            <a:fld id="{A21A1854-2595-407F-A6F3-B9E02B9BC470}" type="slidenum">
+              <a:rPr lang="en-MY" smtClean="0"/>
+              <a:t>4</a:t>
+            </a:fld>
+            <a:endParaRPr lang="en-MY"/>
+          </a:p>
+        </p:txBody>
+      </p:sp>
+    </p:spTree>
+    <p:extLst>
+      <p:ext uri="{BB962C8B-B14F-4D97-AF65-F5344CB8AC3E}">
+        <p14:creationId xmlns:p14="http://schemas.microsoft.com/office/powerpoint/2010/main" val="3264018137"/>
+      </p:ext>
+    </p:extLst>
+  </p:cSld>
+  <p:clrMapOvr>
+    <a:masterClrMapping/>
+  </p:clrMapOvr>
+</p:notes>
 </file>
 
 <file path=ppt/slideLayouts/slideLayout1.xml><?xml version="1.0" encoding="utf-8"?>
@@ -4236,7 +4821,7 @@
             <a:fld id="{A5B0A250-5CC0-1746-B209-08E8B0DAE6AF}" type="datetimeFigureOut">
               <a:rPr lang="en-US" smtClean="0"/>
               <a:pPr algn="l"/>
-              <a:t>9/5/2021</a:t>
+              <a:t>11/1/2021</a:t>
             </a:fld>
             <a:endParaRPr lang="en-US" dirty="0"/>
           </a:p>
@@ -4415,7 +5000,7 @@
           <a:p>
             <a:fld id="{A5B0A250-5CC0-1746-B209-08E8B0DAE6AF}" type="datetimeFigureOut">
               <a:rPr lang="en-US" smtClean="0"/>
-              <a:t>9/5/2021</a:t>
+              <a:t>11/1/2021</a:t>
             </a:fld>
             <a:endParaRPr lang="en-US" dirty="0"/>
           </a:p>
@@ -4595,7 +5180,7 @@
           <a:p>
             <a:fld id="{A5B0A250-5CC0-1746-B209-08E8B0DAE6AF}" type="datetimeFigureOut">
               <a:rPr lang="en-US" smtClean="0"/>
-              <a:t>9/5/2021</a:t>
+              <a:t>11/1/2021</a:t>
             </a:fld>
             <a:endParaRPr lang="en-US"/>
           </a:p>
@@ -4765,7 +5350,7 @@
           <a:p>
             <a:fld id="{A5B0A250-5CC0-1746-B209-08E8B0DAE6AF}" type="datetimeFigureOut">
               <a:rPr lang="en-US" smtClean="0"/>
-              <a:t>9/5/2021</a:t>
+              <a:t>11/1/2021</a:t>
             </a:fld>
             <a:endParaRPr lang="en-US" dirty="0"/>
           </a:p>
@@ -5078,7 +5663,7 @@
           <a:p>
             <a:fld id="{A5B0A250-5CC0-1746-B209-08E8B0DAE6AF}" type="datetimeFigureOut">
               <a:rPr lang="en-US" smtClean="0"/>
-              <a:t>9/5/2021</a:t>
+              <a:t>11/1/2021</a:t>
             </a:fld>
             <a:endParaRPr lang="en-US" dirty="0"/>
           </a:p>
@@ -5464,7 +6049,7 @@
           <a:p>
             <a:fld id="{A5B0A250-5CC0-1746-B209-08E8B0DAE6AF}" type="datetimeFigureOut">
               <a:rPr lang="en-US" smtClean="0"/>
-              <a:t>9/5/2021</a:t>
+              <a:t>11/1/2021</a:t>
             </a:fld>
             <a:endParaRPr lang="en-US" dirty="0"/>
           </a:p>
@@ -5898,7 +6483,7 @@
           <a:p>
             <a:fld id="{A5B0A250-5CC0-1746-B209-08E8B0DAE6AF}" type="datetimeFigureOut">
               <a:rPr lang="en-US" smtClean="0"/>
-              <a:t>9/5/2021</a:t>
+              <a:t>11/1/2021</a:t>
             </a:fld>
             <a:endParaRPr lang="en-US" dirty="0"/>
           </a:p>
@@ -6016,7 +6601,7 @@
           <a:p>
             <a:fld id="{A5B0A250-5CC0-1746-B209-08E8B0DAE6AF}" type="datetimeFigureOut">
               <a:rPr lang="en-US" smtClean="0"/>
-              <a:t>9/5/2021</a:t>
+              <a:t>11/1/2021</a:t>
             </a:fld>
             <a:endParaRPr lang="en-US" dirty="0"/>
           </a:p>
@@ -6112,7 +6697,7 @@
             <a:fld id="{A5B0A250-5CC0-1746-B209-08E8B0DAE6AF}" type="datetimeFigureOut">
               <a:rPr lang="en-US" smtClean="0"/>
               <a:pPr/>
-              <a:t>9/5/2021</a:t>
+              <a:t>11/1/2021</a:t>
             </a:fld>
             <a:endParaRPr lang="en-US" dirty="0"/>
           </a:p>
@@ -6463,7 +7048,7 @@
           <a:p>
             <a:fld id="{A5B0A250-5CC0-1746-B209-08E8B0DAE6AF}" type="datetimeFigureOut">
               <a:rPr lang="en-US" smtClean="0"/>
-              <a:t>9/5/2021</a:t>
+              <a:t>11/1/2021</a:t>
             </a:fld>
             <a:endParaRPr lang="en-US" dirty="0"/>
           </a:p>
@@ -6888,7 +7473,7 @@
           <a:p>
             <a:fld id="{A5B0A250-5CC0-1746-B209-08E8B0DAE6AF}" type="datetimeFigureOut">
               <a:rPr lang="en-US" smtClean="0"/>
-              <a:t>9/5/2021</a:t>
+              <a:t>11/1/2021</a:t>
             </a:fld>
             <a:endParaRPr lang="en-US" dirty="0"/>
           </a:p>
@@ -7170,7 +7755,7 @@
             <a:fld id="{A5B0A250-5CC0-1746-B209-08E8B0DAE6AF}" type="datetimeFigureOut">
               <a:rPr lang="en-US" smtClean="0"/>
               <a:pPr/>
-              <a:t>9/5/2021</a:t>
+              <a:t>11/1/2021</a:t>
             </a:fld>
             <a:endParaRPr lang="en-US" dirty="0"/>
           </a:p>
@@ -8381,7 +8966,7 @@
         </p:spPr>
         <p:txBody>
           <a:bodyPr vert="horz" lIns="91440" tIns="45720" rIns="91440" bIns="45720" rtlCol="0">
-            <a:normAutofit lnSpcReduction="10000"/>
+            <a:normAutofit/>
           </a:bodyPr>
           <a:lstStyle>
             <a:lvl1pPr marL="182880" indent="-182880" algn="l" defTabSz="914400" rtl="0" eaLnBrk="1" latinLnBrk="0" hangingPunct="1">
@@ -8634,8 +9219,19 @@
                 <a:latin typeface="Cascadia Mono" pitchFamily="50" charset="0"/>
                 <a:cs typeface="Cascadia Mono" pitchFamily="50" charset="0"/>
               </a:rPr>
-              <a:t>PS&gt; cd 2myprj</a:t>
-            </a:r>
+              <a:t>PS&gt; cd </a:t>
+            </a:r>
+            <a:r>
+              <a:rPr lang="en-US" sz="1400" dirty="0" err="1">
+                <a:latin typeface="Cascadia Mono" pitchFamily="50" charset="0"/>
+                <a:cs typeface="Cascadia Mono" pitchFamily="50" charset="0"/>
+              </a:rPr>
+              <a:t>QuestionPrj</a:t>
+            </a:r>
+            <a:endParaRPr lang="en-US" sz="1400" dirty="0">
+              <a:latin typeface="Cascadia Mono" pitchFamily="50" charset="0"/>
+              <a:cs typeface="Cascadia Mono" pitchFamily="50" charset="0"/>
+            </a:endParaRPr>
           </a:p>
           <a:p>
             <a:pPr marL="0" indent="0">
@@ -8662,29 +9258,6 @@
               </a:rPr>
               <a:t> shell</a:t>
             </a:r>
-          </a:p>
-          <a:p>
-            <a:pPr marL="0" indent="0">
-              <a:buNone/>
-            </a:pPr>
-            <a:r>
-              <a:rPr lang="en-US" sz="1400" dirty="0">
-                <a:latin typeface="Cascadia Mono" pitchFamily="50" charset="0"/>
-                <a:cs typeface="Cascadia Mono" pitchFamily="50" charset="0"/>
-              </a:rPr>
-              <a:t>PS&gt; cd </a:t>
-            </a:r>
-            <a:r>
-              <a:rPr lang="en-US" sz="1400" dirty="0" err="1">
-                <a:latin typeface="Cascadia Mono" pitchFamily="50" charset="0"/>
-                <a:cs typeface="Cascadia Mono" pitchFamily="50" charset="0"/>
-              </a:rPr>
-              <a:t>QuestionPrj</a:t>
-            </a:r>
-            <a:endParaRPr lang="en-US" sz="1400" dirty="0">
-              <a:latin typeface="Cascadia Mono" pitchFamily="50" charset="0"/>
-              <a:cs typeface="Cascadia Mono" pitchFamily="50" charset="0"/>
-            </a:endParaRPr>
           </a:p>
           <a:p>
             <a:pPr marL="0" indent="0">
@@ -9004,8 +9577,19 @@
                 <a:latin typeface="Cascadia Mono" pitchFamily="50" charset="0"/>
                 <a:cs typeface="Cascadia Mono" pitchFamily="50" charset="0"/>
               </a:rPr>
-              <a:t>PS&gt; cd 2myprj</a:t>
-            </a:r>
+              <a:t>PS&gt; cd </a:t>
+            </a:r>
+            <a:r>
+              <a:rPr lang="en-US" sz="1400" dirty="0" err="1">
+                <a:latin typeface="Cascadia Mono" pitchFamily="50" charset="0"/>
+                <a:cs typeface="Cascadia Mono" pitchFamily="50" charset="0"/>
+              </a:rPr>
+              <a:t>QuestionPrj</a:t>
+            </a:r>
+            <a:endParaRPr lang="en-US" sz="1400" dirty="0">
+              <a:latin typeface="Cascadia Mono" pitchFamily="50" charset="0"/>
+              <a:cs typeface="Cascadia Mono" pitchFamily="50" charset="0"/>
+            </a:endParaRPr>
           </a:p>
           <a:p>
             <a:pPr marL="0" indent="0">
@@ -9032,29 +9616,6 @@
               </a:rPr>
               <a:t> shell</a:t>
             </a:r>
-          </a:p>
-          <a:p>
-            <a:pPr marL="0" indent="0">
-              <a:buNone/>
-            </a:pPr>
-            <a:r>
-              <a:rPr lang="en-US" sz="1400" dirty="0">
-                <a:latin typeface="Cascadia Mono" pitchFamily="50" charset="0"/>
-                <a:cs typeface="Cascadia Mono" pitchFamily="50" charset="0"/>
-              </a:rPr>
-              <a:t>PS&gt; cd </a:t>
-            </a:r>
-            <a:r>
-              <a:rPr lang="en-US" sz="1400" dirty="0" err="1">
-                <a:latin typeface="Cascadia Mono" pitchFamily="50" charset="0"/>
-                <a:cs typeface="Cascadia Mono" pitchFamily="50" charset="0"/>
-              </a:rPr>
-              <a:t>QuestionPrj</a:t>
-            </a:r>
-            <a:endParaRPr lang="en-US" sz="1400" dirty="0">
-              <a:latin typeface="Cascadia Mono" pitchFamily="50" charset="0"/>
-              <a:cs typeface="Cascadia Mono" pitchFamily="50" charset="0"/>
-            </a:endParaRPr>
           </a:p>
           <a:p>
             <a:pPr marL="0" indent="0">
@@ -9145,7 +9706,7 @@
         <p:spPr>
           <a:xfrm>
             <a:off x="939463" y="863352"/>
-            <a:ext cx="7574222" cy="5475304"/>
+            <a:ext cx="8643076" cy="5475304"/>
           </a:xfrm>
           <a:prstGeom prst="rect">
             <a:avLst/>
@@ -9955,7 +10516,7 @@
         </p:spPr>
         <p:txBody>
           <a:bodyPr>
-            <a:normAutofit/>
+            <a:normAutofit lnSpcReduction="10000"/>
           </a:bodyPr>
           <a:lstStyle/>
           <a:p>
@@ -9969,7 +10530,13 @@
             </a:r>
             <a:r>
               <a:rPr lang="en-US" dirty="0"/>
-              <a:t>. If we don’t, we can inherit from </a:t>
+              <a:t>.</a:t>
+            </a:r>
+          </a:p>
+          <a:p>
+            <a:r>
+              <a:rPr lang="en-US" dirty="0"/>
+              <a:t>If don’t have database, we can inherit from </a:t>
             </a:r>
             <a:r>
               <a:rPr lang="en-US" dirty="0" err="1"/>
@@ -10041,6 +10608,289 @@
           </a:prstGeom>
         </p:spPr>
       </p:pic>
+      <p:sp>
+        <p:nvSpPr>
+          <p:cNvPr id="3" name="Content Placeholder 2">
+            <a:extLst>
+              <a:ext uri="{FF2B5EF4-FFF2-40B4-BE49-F238E27FC236}">
+                <a16:creationId xmlns:a16="http://schemas.microsoft.com/office/drawing/2014/main" id="{B0FA1999-4C0F-47A1-B84D-DFA7D08F763B}"/>
+              </a:ext>
+            </a:extLst>
+          </p:cNvPr>
+          <p:cNvSpPr txBox="1">
+            <a:spLocks/>
+          </p:cNvSpPr>
+          <p:nvPr/>
+        </p:nvSpPr>
+        <p:spPr>
+          <a:xfrm>
+            <a:off x="7079384" y="1207077"/>
+            <a:ext cx="3562350" cy="2886075"/>
+          </a:xfrm>
+          <a:prstGeom prst="rect">
+            <a:avLst/>
+          </a:prstGeom>
+        </p:spPr>
+        <p:txBody>
+          <a:bodyPr vert="horz" lIns="91440" tIns="45720" rIns="91440" bIns="45720" rtlCol="0">
+            <a:normAutofit/>
+          </a:bodyPr>
+          <a:lstStyle>
+            <a:lvl1pPr marL="182880" indent="-182880" algn="l" defTabSz="914400" rtl="0" eaLnBrk="1" latinLnBrk="0" hangingPunct="1">
+              <a:lnSpc>
+                <a:spcPct val="90000"/>
+              </a:lnSpc>
+              <a:spcBef>
+                <a:spcPts val="1200"/>
+              </a:spcBef>
+              <a:buClr>
+                <a:schemeClr val="accent1">
+                  <a:lumMod val="75000"/>
+                </a:schemeClr>
+              </a:buClr>
+              <a:buSzPct val="85000"/>
+              <a:buFont typeface="Wingdings" pitchFamily="2" charset="2"/>
+              <a:buChar char="§"/>
+              <a:defRPr sz="2000" kern="1200">
+                <a:solidFill>
+                  <a:schemeClr val="tx1"/>
+                </a:solidFill>
+                <a:latin typeface="+mn-lt"/>
+                <a:ea typeface="+mn-ea"/>
+                <a:cs typeface="+mn-cs"/>
+              </a:defRPr>
+            </a:lvl1pPr>
+            <a:lvl2pPr marL="457200" indent="-182880" algn="l" defTabSz="914400" rtl="0" eaLnBrk="1" latinLnBrk="0" hangingPunct="1">
+              <a:lnSpc>
+                <a:spcPct val="90000"/>
+              </a:lnSpc>
+              <a:spcBef>
+                <a:spcPts val="400"/>
+              </a:spcBef>
+              <a:spcAft>
+                <a:spcPts val="200"/>
+              </a:spcAft>
+              <a:buClr>
+                <a:schemeClr val="accent1">
+                  <a:lumMod val="75000"/>
+                </a:schemeClr>
+              </a:buClr>
+              <a:buSzPct val="85000"/>
+              <a:buFont typeface="Wingdings" pitchFamily="2" charset="2"/>
+              <a:buChar char="§"/>
+              <a:defRPr sz="1800" kern="1200">
+                <a:solidFill>
+                  <a:schemeClr val="tx1"/>
+                </a:solidFill>
+                <a:latin typeface="+mn-lt"/>
+                <a:ea typeface="+mn-ea"/>
+                <a:cs typeface="+mn-cs"/>
+              </a:defRPr>
+            </a:lvl2pPr>
+            <a:lvl3pPr marL="731520" indent="-182880" algn="l" defTabSz="914400" rtl="0" eaLnBrk="1" latinLnBrk="0" hangingPunct="1">
+              <a:lnSpc>
+                <a:spcPct val="90000"/>
+              </a:lnSpc>
+              <a:spcBef>
+                <a:spcPts val="400"/>
+              </a:spcBef>
+              <a:spcAft>
+                <a:spcPts val="200"/>
+              </a:spcAft>
+              <a:buClr>
+                <a:schemeClr val="accent1">
+                  <a:lumMod val="75000"/>
+                </a:schemeClr>
+              </a:buClr>
+              <a:buSzPct val="85000"/>
+              <a:buFont typeface="Wingdings" pitchFamily="2" charset="2"/>
+              <a:buChar char="§"/>
+              <a:defRPr sz="1600" kern="1200">
+                <a:solidFill>
+                  <a:schemeClr val="tx1"/>
+                </a:solidFill>
+                <a:latin typeface="+mn-lt"/>
+                <a:ea typeface="+mn-ea"/>
+                <a:cs typeface="+mn-cs"/>
+              </a:defRPr>
+            </a:lvl3pPr>
+            <a:lvl4pPr marL="1005840" indent="-182880" algn="l" defTabSz="914400" rtl="0" eaLnBrk="1" latinLnBrk="0" hangingPunct="1">
+              <a:lnSpc>
+                <a:spcPct val="90000"/>
+              </a:lnSpc>
+              <a:spcBef>
+                <a:spcPts val="400"/>
+              </a:spcBef>
+              <a:spcAft>
+                <a:spcPts val="200"/>
+              </a:spcAft>
+              <a:buClr>
+                <a:schemeClr val="accent1">
+                  <a:lumMod val="75000"/>
+                </a:schemeClr>
+              </a:buClr>
+              <a:buSzPct val="85000"/>
+              <a:buFont typeface="Wingdings" pitchFamily="2" charset="2"/>
+              <a:buChar char="§"/>
+              <a:defRPr sz="1600" kern="1200">
+                <a:solidFill>
+                  <a:schemeClr val="tx1"/>
+                </a:solidFill>
+                <a:latin typeface="+mn-lt"/>
+                <a:ea typeface="+mn-ea"/>
+                <a:cs typeface="+mn-cs"/>
+              </a:defRPr>
+            </a:lvl4pPr>
+            <a:lvl5pPr marL="1280160" indent="-182880" algn="l" defTabSz="914400" rtl="0" eaLnBrk="1" latinLnBrk="0" hangingPunct="1">
+              <a:lnSpc>
+                <a:spcPct val="90000"/>
+              </a:lnSpc>
+              <a:spcBef>
+                <a:spcPts val="400"/>
+              </a:spcBef>
+              <a:spcAft>
+                <a:spcPts val="200"/>
+              </a:spcAft>
+              <a:buClr>
+                <a:schemeClr val="accent1">
+                  <a:lumMod val="75000"/>
+                </a:schemeClr>
+              </a:buClr>
+              <a:buSzPct val="85000"/>
+              <a:buFont typeface="Wingdings" pitchFamily="2" charset="2"/>
+              <a:buChar char="§"/>
+              <a:defRPr sz="1600" kern="1200">
+                <a:solidFill>
+                  <a:schemeClr val="tx1"/>
+                </a:solidFill>
+                <a:latin typeface="+mn-lt"/>
+                <a:ea typeface="+mn-ea"/>
+                <a:cs typeface="+mn-cs"/>
+              </a:defRPr>
+            </a:lvl5pPr>
+            <a:lvl6pPr marL="1600000" indent="-228600" algn="l" defTabSz="914400" rtl="0" eaLnBrk="1" latinLnBrk="0" hangingPunct="1">
+              <a:lnSpc>
+                <a:spcPct val="90000"/>
+              </a:lnSpc>
+              <a:spcBef>
+                <a:spcPts val="400"/>
+              </a:spcBef>
+              <a:spcAft>
+                <a:spcPts val="200"/>
+              </a:spcAft>
+              <a:buClr>
+                <a:schemeClr val="accent1">
+                  <a:lumMod val="75000"/>
+                </a:schemeClr>
+              </a:buClr>
+              <a:buSzPct val="85000"/>
+              <a:buFont typeface="Wingdings" pitchFamily="2" charset="2"/>
+              <a:buChar char="§"/>
+              <a:defRPr sz="1600" kern="1200">
+                <a:solidFill>
+                  <a:schemeClr val="tx1"/>
+                </a:solidFill>
+                <a:latin typeface="+mn-lt"/>
+                <a:ea typeface="+mn-ea"/>
+                <a:cs typeface="+mn-cs"/>
+              </a:defRPr>
+            </a:lvl6pPr>
+            <a:lvl7pPr marL="1900000" indent="-228600" algn="l" defTabSz="914400" rtl="0" eaLnBrk="1" latinLnBrk="0" hangingPunct="1">
+              <a:lnSpc>
+                <a:spcPct val="90000"/>
+              </a:lnSpc>
+              <a:spcBef>
+                <a:spcPts val="400"/>
+              </a:spcBef>
+              <a:spcAft>
+                <a:spcPts val="200"/>
+              </a:spcAft>
+              <a:buClr>
+                <a:schemeClr val="accent1">
+                  <a:lumMod val="75000"/>
+                </a:schemeClr>
+              </a:buClr>
+              <a:buSzPct val="85000"/>
+              <a:buFont typeface="Wingdings" pitchFamily="2" charset="2"/>
+              <a:buChar char="§"/>
+              <a:defRPr sz="1600" kern="1200">
+                <a:solidFill>
+                  <a:schemeClr val="tx1"/>
+                </a:solidFill>
+                <a:latin typeface="+mn-lt"/>
+                <a:ea typeface="+mn-ea"/>
+                <a:cs typeface="+mn-cs"/>
+              </a:defRPr>
+            </a:lvl7pPr>
+            <a:lvl8pPr marL="2200000" indent="-228600" algn="l" defTabSz="914400" rtl="0" eaLnBrk="1" latinLnBrk="0" hangingPunct="1">
+              <a:lnSpc>
+                <a:spcPct val="90000"/>
+              </a:lnSpc>
+              <a:spcBef>
+                <a:spcPts val="400"/>
+              </a:spcBef>
+              <a:spcAft>
+                <a:spcPts val="200"/>
+              </a:spcAft>
+              <a:buClr>
+                <a:schemeClr val="accent1">
+                  <a:lumMod val="75000"/>
+                </a:schemeClr>
+              </a:buClr>
+              <a:buSzPct val="85000"/>
+              <a:buFont typeface="Wingdings" pitchFamily="2" charset="2"/>
+              <a:buChar char="§"/>
+              <a:defRPr sz="1600" kern="1200">
+                <a:solidFill>
+                  <a:schemeClr val="tx1"/>
+                </a:solidFill>
+                <a:latin typeface="+mn-lt"/>
+                <a:ea typeface="+mn-ea"/>
+                <a:cs typeface="+mn-cs"/>
+              </a:defRPr>
+            </a:lvl8pPr>
+            <a:lvl9pPr marL="2500000" indent="-228600" algn="l" defTabSz="914400" rtl="0" eaLnBrk="1" latinLnBrk="0" hangingPunct="1">
+              <a:lnSpc>
+                <a:spcPct val="90000"/>
+              </a:lnSpc>
+              <a:spcBef>
+                <a:spcPts val="400"/>
+              </a:spcBef>
+              <a:spcAft>
+                <a:spcPts val="200"/>
+              </a:spcAft>
+              <a:buClr>
+                <a:schemeClr val="accent1">
+                  <a:lumMod val="75000"/>
+                </a:schemeClr>
+              </a:buClr>
+              <a:buSzPct val="85000"/>
+              <a:buFont typeface="Wingdings" pitchFamily="2" charset="2"/>
+              <a:buChar char="§"/>
+              <a:defRPr sz="1600" kern="1200">
+                <a:solidFill>
+                  <a:schemeClr val="tx1"/>
+                </a:solidFill>
+                <a:latin typeface="+mn-lt"/>
+                <a:ea typeface="+mn-ea"/>
+                <a:cs typeface="+mn-cs"/>
+              </a:defRPr>
+            </a:lvl9pPr>
+          </a:lstStyle>
+          <a:p>
+            <a:r>
+              <a:rPr lang="en-US" dirty="0"/>
+              <a:t>Add test code in tests.py</a:t>
+            </a:r>
+          </a:p>
+          <a:p>
+            <a:pPr marL="0" indent="0">
+              <a:buNone/>
+            </a:pPr>
+            <a:endParaRPr lang="en-US" dirty="0"/>
+          </a:p>
+        </p:txBody>
+      </p:sp>
     </p:spTree>
     <p:extLst>
       <p:ext uri="{BB962C8B-B14F-4D97-AF65-F5344CB8AC3E}">
@@ -10248,7 +11098,14 @@
           <a:p>
             <a:r>
               <a:rPr lang="en-US" dirty="0"/>
-              <a:t>Because we have static files, before running the test we need run </a:t>
+              <a:t>Because we have static files, before running the test we need arrange static files into correct folder</a:t>
+            </a:r>
+          </a:p>
+          <a:p>
+            <a:pPr lvl="1"/>
+            <a:r>
+              <a:rPr lang="en-US" dirty="0"/>
+              <a:t> </a:t>
             </a:r>
             <a:r>
               <a:rPr lang="en-US" dirty="0" err="1"/>
@@ -10282,7 +11139,7 @@
         </p:nvSpPr>
         <p:spPr>
           <a:xfrm>
-            <a:off x="1685189" y="3314389"/>
+            <a:off x="1685189" y="3388277"/>
             <a:ext cx="3961009" cy="1609344"/>
           </a:xfrm>
           <a:prstGeom prst="rect">
@@ -10653,7 +11510,7 @@
           <a:p>
             <a:r>
               <a:rPr lang="en-US" dirty="0"/>
-              <a:t>You can push all the test code to remote repo again.</a:t>
+              <a:t>You can push all test code to remote repo.</a:t>
             </a:r>
             <a:endParaRPr lang="en-MY" dirty="0"/>
           </a:p>
@@ -10687,9 +11544,357 @@
           <a:p>
             <a:r>
               <a:rPr lang="en-US" dirty="0"/>
+              <a:t>After finish one feature, always share your code with your team and make it available to whole team.</a:t>
+            </a:r>
+          </a:p>
+          <a:p>
+            <a:r>
+              <a:rPr lang="en-US" dirty="0"/>
               <a:t>As it is only meant for test, no need push it to product cloud server.</a:t>
             </a:r>
             <a:endParaRPr lang="en-MY" dirty="0"/>
+          </a:p>
+        </p:txBody>
+      </p:sp>
+      <p:sp>
+        <p:nvSpPr>
+          <p:cNvPr id="4" name="Content Placeholder 2">
+            <a:extLst>
+              <a:ext uri="{FF2B5EF4-FFF2-40B4-BE49-F238E27FC236}">
+                <a16:creationId xmlns:a16="http://schemas.microsoft.com/office/drawing/2014/main" id="{11258856-EF0F-4941-8149-0F7A247B7603}"/>
+              </a:ext>
+            </a:extLst>
+          </p:cNvPr>
+          <p:cNvSpPr txBox="1">
+            <a:spLocks/>
+          </p:cNvSpPr>
+          <p:nvPr/>
+        </p:nvSpPr>
+        <p:spPr>
+          <a:xfrm>
+            <a:off x="1262648" y="3760634"/>
+            <a:ext cx="8953042" cy="1609344"/>
+          </a:xfrm>
+          <a:prstGeom prst="rect">
+            <a:avLst/>
+          </a:prstGeom>
+        </p:spPr>
+        <p:txBody>
+          <a:bodyPr vert="horz" lIns="91440" tIns="45720" rIns="91440" bIns="45720" rtlCol="0">
+            <a:normAutofit lnSpcReduction="10000"/>
+          </a:bodyPr>
+          <a:lstStyle>
+            <a:lvl1pPr marL="182880" indent="-182880" algn="l" defTabSz="914400" rtl="0" eaLnBrk="1" latinLnBrk="0" hangingPunct="1">
+              <a:lnSpc>
+                <a:spcPct val="90000"/>
+              </a:lnSpc>
+              <a:spcBef>
+                <a:spcPts val="1200"/>
+              </a:spcBef>
+              <a:buClr>
+                <a:schemeClr val="accent1">
+                  <a:lumMod val="75000"/>
+                </a:schemeClr>
+              </a:buClr>
+              <a:buSzPct val="85000"/>
+              <a:buFont typeface="Wingdings" pitchFamily="2" charset="2"/>
+              <a:buChar char="§"/>
+              <a:defRPr sz="2000" kern="1200">
+                <a:solidFill>
+                  <a:schemeClr val="tx1"/>
+                </a:solidFill>
+                <a:latin typeface="+mn-lt"/>
+                <a:ea typeface="+mn-ea"/>
+                <a:cs typeface="+mn-cs"/>
+              </a:defRPr>
+            </a:lvl1pPr>
+            <a:lvl2pPr marL="457200" indent="-182880" algn="l" defTabSz="914400" rtl="0" eaLnBrk="1" latinLnBrk="0" hangingPunct="1">
+              <a:lnSpc>
+                <a:spcPct val="90000"/>
+              </a:lnSpc>
+              <a:spcBef>
+                <a:spcPts val="400"/>
+              </a:spcBef>
+              <a:spcAft>
+                <a:spcPts val="200"/>
+              </a:spcAft>
+              <a:buClr>
+                <a:schemeClr val="accent1">
+                  <a:lumMod val="75000"/>
+                </a:schemeClr>
+              </a:buClr>
+              <a:buSzPct val="85000"/>
+              <a:buFont typeface="Wingdings" pitchFamily="2" charset="2"/>
+              <a:buChar char="§"/>
+              <a:defRPr sz="1800" kern="1200">
+                <a:solidFill>
+                  <a:schemeClr val="tx1"/>
+                </a:solidFill>
+                <a:latin typeface="+mn-lt"/>
+                <a:ea typeface="+mn-ea"/>
+                <a:cs typeface="+mn-cs"/>
+              </a:defRPr>
+            </a:lvl2pPr>
+            <a:lvl3pPr marL="731520" indent="-182880" algn="l" defTabSz="914400" rtl="0" eaLnBrk="1" latinLnBrk="0" hangingPunct="1">
+              <a:lnSpc>
+                <a:spcPct val="90000"/>
+              </a:lnSpc>
+              <a:spcBef>
+                <a:spcPts val="400"/>
+              </a:spcBef>
+              <a:spcAft>
+                <a:spcPts val="200"/>
+              </a:spcAft>
+              <a:buClr>
+                <a:schemeClr val="accent1">
+                  <a:lumMod val="75000"/>
+                </a:schemeClr>
+              </a:buClr>
+              <a:buSzPct val="85000"/>
+              <a:buFont typeface="Wingdings" pitchFamily="2" charset="2"/>
+              <a:buChar char="§"/>
+              <a:defRPr sz="1600" kern="1200">
+                <a:solidFill>
+                  <a:schemeClr val="tx1"/>
+                </a:solidFill>
+                <a:latin typeface="+mn-lt"/>
+                <a:ea typeface="+mn-ea"/>
+                <a:cs typeface="+mn-cs"/>
+              </a:defRPr>
+            </a:lvl3pPr>
+            <a:lvl4pPr marL="1005840" indent="-182880" algn="l" defTabSz="914400" rtl="0" eaLnBrk="1" latinLnBrk="0" hangingPunct="1">
+              <a:lnSpc>
+                <a:spcPct val="90000"/>
+              </a:lnSpc>
+              <a:spcBef>
+                <a:spcPts val="400"/>
+              </a:spcBef>
+              <a:spcAft>
+                <a:spcPts val="200"/>
+              </a:spcAft>
+              <a:buClr>
+                <a:schemeClr val="accent1">
+                  <a:lumMod val="75000"/>
+                </a:schemeClr>
+              </a:buClr>
+              <a:buSzPct val="85000"/>
+              <a:buFont typeface="Wingdings" pitchFamily="2" charset="2"/>
+              <a:buChar char="§"/>
+              <a:defRPr sz="1600" kern="1200">
+                <a:solidFill>
+                  <a:schemeClr val="tx1"/>
+                </a:solidFill>
+                <a:latin typeface="+mn-lt"/>
+                <a:ea typeface="+mn-ea"/>
+                <a:cs typeface="+mn-cs"/>
+              </a:defRPr>
+            </a:lvl4pPr>
+            <a:lvl5pPr marL="1280160" indent="-182880" algn="l" defTabSz="914400" rtl="0" eaLnBrk="1" latinLnBrk="0" hangingPunct="1">
+              <a:lnSpc>
+                <a:spcPct val="90000"/>
+              </a:lnSpc>
+              <a:spcBef>
+                <a:spcPts val="400"/>
+              </a:spcBef>
+              <a:spcAft>
+                <a:spcPts val="200"/>
+              </a:spcAft>
+              <a:buClr>
+                <a:schemeClr val="accent1">
+                  <a:lumMod val="75000"/>
+                </a:schemeClr>
+              </a:buClr>
+              <a:buSzPct val="85000"/>
+              <a:buFont typeface="Wingdings" pitchFamily="2" charset="2"/>
+              <a:buChar char="§"/>
+              <a:defRPr sz="1600" kern="1200">
+                <a:solidFill>
+                  <a:schemeClr val="tx1"/>
+                </a:solidFill>
+                <a:latin typeface="+mn-lt"/>
+                <a:ea typeface="+mn-ea"/>
+                <a:cs typeface="+mn-cs"/>
+              </a:defRPr>
+            </a:lvl5pPr>
+            <a:lvl6pPr marL="1600000" indent="-228600" algn="l" defTabSz="914400" rtl="0" eaLnBrk="1" latinLnBrk="0" hangingPunct="1">
+              <a:lnSpc>
+                <a:spcPct val="90000"/>
+              </a:lnSpc>
+              <a:spcBef>
+                <a:spcPts val="400"/>
+              </a:spcBef>
+              <a:spcAft>
+                <a:spcPts val="200"/>
+              </a:spcAft>
+              <a:buClr>
+                <a:schemeClr val="accent1">
+                  <a:lumMod val="75000"/>
+                </a:schemeClr>
+              </a:buClr>
+              <a:buSzPct val="85000"/>
+              <a:buFont typeface="Wingdings" pitchFamily="2" charset="2"/>
+              <a:buChar char="§"/>
+              <a:defRPr sz="1600" kern="1200">
+                <a:solidFill>
+                  <a:schemeClr val="tx1"/>
+                </a:solidFill>
+                <a:latin typeface="+mn-lt"/>
+                <a:ea typeface="+mn-ea"/>
+                <a:cs typeface="+mn-cs"/>
+              </a:defRPr>
+            </a:lvl6pPr>
+            <a:lvl7pPr marL="1900000" indent="-228600" algn="l" defTabSz="914400" rtl="0" eaLnBrk="1" latinLnBrk="0" hangingPunct="1">
+              <a:lnSpc>
+                <a:spcPct val="90000"/>
+              </a:lnSpc>
+              <a:spcBef>
+                <a:spcPts val="400"/>
+              </a:spcBef>
+              <a:spcAft>
+                <a:spcPts val="200"/>
+              </a:spcAft>
+              <a:buClr>
+                <a:schemeClr val="accent1">
+                  <a:lumMod val="75000"/>
+                </a:schemeClr>
+              </a:buClr>
+              <a:buSzPct val="85000"/>
+              <a:buFont typeface="Wingdings" pitchFamily="2" charset="2"/>
+              <a:buChar char="§"/>
+              <a:defRPr sz="1600" kern="1200">
+                <a:solidFill>
+                  <a:schemeClr val="tx1"/>
+                </a:solidFill>
+                <a:latin typeface="+mn-lt"/>
+                <a:ea typeface="+mn-ea"/>
+                <a:cs typeface="+mn-cs"/>
+              </a:defRPr>
+            </a:lvl7pPr>
+            <a:lvl8pPr marL="2200000" indent="-228600" algn="l" defTabSz="914400" rtl="0" eaLnBrk="1" latinLnBrk="0" hangingPunct="1">
+              <a:lnSpc>
+                <a:spcPct val="90000"/>
+              </a:lnSpc>
+              <a:spcBef>
+                <a:spcPts val="400"/>
+              </a:spcBef>
+              <a:spcAft>
+                <a:spcPts val="200"/>
+              </a:spcAft>
+              <a:buClr>
+                <a:schemeClr val="accent1">
+                  <a:lumMod val="75000"/>
+                </a:schemeClr>
+              </a:buClr>
+              <a:buSzPct val="85000"/>
+              <a:buFont typeface="Wingdings" pitchFamily="2" charset="2"/>
+              <a:buChar char="§"/>
+              <a:defRPr sz="1600" kern="1200">
+                <a:solidFill>
+                  <a:schemeClr val="tx1"/>
+                </a:solidFill>
+                <a:latin typeface="+mn-lt"/>
+                <a:ea typeface="+mn-ea"/>
+                <a:cs typeface="+mn-cs"/>
+              </a:defRPr>
+            </a:lvl8pPr>
+            <a:lvl9pPr marL="2500000" indent="-228600" algn="l" defTabSz="914400" rtl="0" eaLnBrk="1" latinLnBrk="0" hangingPunct="1">
+              <a:lnSpc>
+                <a:spcPct val="90000"/>
+              </a:lnSpc>
+              <a:spcBef>
+                <a:spcPts val="400"/>
+              </a:spcBef>
+              <a:spcAft>
+                <a:spcPts val="200"/>
+              </a:spcAft>
+              <a:buClr>
+                <a:schemeClr val="accent1">
+                  <a:lumMod val="75000"/>
+                </a:schemeClr>
+              </a:buClr>
+              <a:buSzPct val="85000"/>
+              <a:buFont typeface="Wingdings" pitchFamily="2" charset="2"/>
+              <a:buChar char="§"/>
+              <a:defRPr sz="1600" kern="1200">
+                <a:solidFill>
+                  <a:schemeClr val="tx1"/>
+                </a:solidFill>
+                <a:latin typeface="+mn-lt"/>
+                <a:ea typeface="+mn-ea"/>
+                <a:cs typeface="+mn-cs"/>
+              </a:defRPr>
+            </a:lvl9pPr>
+          </a:lstStyle>
+          <a:p>
+            <a:pPr marL="0" indent="0">
+              <a:buNone/>
+            </a:pPr>
+            <a:r>
+              <a:rPr lang="en-US" sz="1400" dirty="0">
+                <a:latin typeface="Cascadia Mono" pitchFamily="50" charset="0"/>
+                <a:cs typeface="Cascadia Mono" pitchFamily="50" charset="0"/>
+              </a:rPr>
+              <a:t>PS&gt; cd </a:t>
+            </a:r>
+            <a:r>
+              <a:rPr lang="en-US" sz="1400" dirty="0" err="1">
+                <a:latin typeface="Cascadia Mono" pitchFamily="50" charset="0"/>
+                <a:cs typeface="Cascadia Mono" pitchFamily="50" charset="0"/>
+              </a:rPr>
+              <a:t>QuestionPrj</a:t>
+            </a:r>
+            <a:endParaRPr lang="en-US" sz="1400" dirty="0">
+              <a:latin typeface="Cascadia Mono" pitchFamily="50" charset="0"/>
+              <a:cs typeface="Cascadia Mono" pitchFamily="50" charset="0"/>
+            </a:endParaRPr>
+          </a:p>
+          <a:p>
+            <a:pPr marL="0" indent="0">
+              <a:buNone/>
+            </a:pPr>
+            <a:r>
+              <a:rPr lang="en-US" sz="1400" dirty="0">
+                <a:latin typeface="Cascadia Mono" pitchFamily="50" charset="0"/>
+                <a:cs typeface="Cascadia Mono" pitchFamily="50" charset="0"/>
+              </a:rPr>
+              <a:t>PS&gt; git status</a:t>
+            </a:r>
+          </a:p>
+          <a:p>
+            <a:pPr marL="0" indent="0">
+              <a:buNone/>
+            </a:pPr>
+            <a:r>
+              <a:rPr lang="en-US" sz="1400" dirty="0">
+                <a:latin typeface="Cascadia Mono" pitchFamily="50" charset="0"/>
+                <a:cs typeface="Cascadia Mono" pitchFamily="50" charset="0"/>
+              </a:rPr>
+              <a:t>PS&gt; git add –A</a:t>
+            </a:r>
+          </a:p>
+          <a:p>
+            <a:pPr marL="0" indent="0">
+              <a:buNone/>
+            </a:pPr>
+            <a:r>
+              <a:rPr lang="en-US" sz="1400" dirty="0">
+                <a:latin typeface="Cascadia Mono" pitchFamily="50" charset="0"/>
+                <a:cs typeface="Cascadia Mono" pitchFamily="50" charset="0"/>
+              </a:rPr>
+              <a:t>PS&gt; git commit –m “add test code”</a:t>
+            </a:r>
+          </a:p>
+          <a:p>
+            <a:pPr marL="0" indent="0">
+              <a:buNone/>
+            </a:pPr>
+            <a:r>
+              <a:rPr lang="en-US" sz="1400" dirty="0">
+                <a:latin typeface="Cascadia Mono" pitchFamily="50" charset="0"/>
+                <a:cs typeface="Cascadia Mono" pitchFamily="50" charset="0"/>
+              </a:rPr>
+              <a:t>PS&gt; git push origin main</a:t>
+            </a:r>
           </a:p>
         </p:txBody>
       </p:sp>
@@ -10697,6 +11902,236 @@
     <p:extLst>
       <p:ext uri="{BB962C8B-B14F-4D97-AF65-F5344CB8AC3E}">
         <p14:creationId xmlns:p14="http://schemas.microsoft.com/office/powerpoint/2010/main" val="1941142259"/>
+      </p:ext>
+    </p:extLst>
+  </p:cSld>
+  <p:clrMapOvr>
+    <a:masterClrMapping/>
+  </p:clrMapOvr>
+</p:sld>
+</file>
+
+<file path=ppt/slides/slide18.xml><?xml version="1.0" encoding="utf-8"?>
+<p:sld xmlns:a="http://schemas.openxmlformats.org/drawingml/2006/main" xmlns:r="http://schemas.openxmlformats.org/officeDocument/2006/relationships" xmlns:p="http://schemas.openxmlformats.org/presentationml/2006/main">
+  <p:cSld>
+    <p:spTree>
+      <p:nvGrpSpPr>
+        <p:cNvPr id="1" name=""/>
+        <p:cNvGrpSpPr/>
+        <p:nvPr/>
+      </p:nvGrpSpPr>
+      <p:grpSpPr>
+        <a:xfrm>
+          <a:off x="0" y="0"/>
+          <a:ext cx="0" cy="0"/>
+          <a:chOff x="0" y="0"/>
+          <a:chExt cx="0" cy="0"/>
+        </a:xfrm>
+      </p:grpSpPr>
+      <p:sp>
+        <p:nvSpPr>
+          <p:cNvPr id="2" name="Title 1">
+            <a:extLst>
+              <a:ext uri="{FF2B5EF4-FFF2-40B4-BE49-F238E27FC236}">
+                <a16:creationId xmlns:a16="http://schemas.microsoft.com/office/drawing/2014/main" id="{65155C87-ADB7-4CAB-8209-F896B1DC1336}"/>
+              </a:ext>
+            </a:extLst>
+          </p:cNvPr>
+          <p:cNvSpPr>
+            <a:spLocks noGrp="1"/>
+          </p:cNvSpPr>
+          <p:nvPr>
+            <p:ph type="title"/>
+          </p:nvPr>
+        </p:nvSpPr>
+        <p:spPr/>
+        <p:txBody>
+          <a:bodyPr/>
+          <a:lstStyle/>
+          <a:p>
+            <a:r>
+              <a:rPr lang="en-US" dirty="0"/>
+              <a:t>New function: view the results</a:t>
+            </a:r>
+            <a:endParaRPr lang="en-MY" dirty="0"/>
+          </a:p>
+        </p:txBody>
+      </p:sp>
+      <p:sp>
+        <p:nvSpPr>
+          <p:cNvPr id="3" name="Content Placeholder 2">
+            <a:extLst>
+              <a:ext uri="{FF2B5EF4-FFF2-40B4-BE49-F238E27FC236}">
+                <a16:creationId xmlns:a16="http://schemas.microsoft.com/office/drawing/2014/main" id="{8E9F9581-CDEA-4166-BA28-7D46904B5C32}"/>
+              </a:ext>
+            </a:extLst>
+          </p:cNvPr>
+          <p:cNvSpPr>
+            <a:spLocks noGrp="1"/>
+          </p:cNvSpPr>
+          <p:nvPr>
+            <p:ph idx="1"/>
+          </p:nvPr>
+        </p:nvSpPr>
+        <p:spPr>
+          <a:xfrm>
+            <a:off x="1069848" y="2121408"/>
+            <a:ext cx="10058400" cy="2512736"/>
+          </a:xfrm>
+        </p:spPr>
+        <p:txBody>
+          <a:bodyPr/>
+          <a:lstStyle/>
+          <a:p>
+            <a:r>
+              <a:rPr lang="en-US" dirty="0"/>
+              <a:t>Currently we still not develop the function for user to participate the questionnaire yet. This participate would need several steps of clicks as we have more than one questions, and would need session manage.</a:t>
+            </a:r>
+          </a:p>
+          <a:p>
+            <a:r>
+              <a:rPr lang="en-US" dirty="0"/>
+              <a:t>We will develop the view current result, as this view function is more simple compare to participate questionnaire.</a:t>
+            </a:r>
+            <a:endParaRPr lang="en-MY" dirty="0"/>
+          </a:p>
+        </p:txBody>
+      </p:sp>
+    </p:spTree>
+    <p:extLst>
+      <p:ext uri="{BB962C8B-B14F-4D97-AF65-F5344CB8AC3E}">
+        <p14:creationId xmlns:p14="http://schemas.microsoft.com/office/powerpoint/2010/main" val="729408814"/>
+      </p:ext>
+    </p:extLst>
+  </p:cSld>
+  <p:clrMapOvr>
+    <a:masterClrMapping/>
+  </p:clrMapOvr>
+</p:sld>
+</file>
+
+<file path=ppt/slides/slide19.xml><?xml version="1.0" encoding="utf-8"?>
+<p:sld xmlns:a="http://schemas.openxmlformats.org/drawingml/2006/main" xmlns:r="http://schemas.openxmlformats.org/officeDocument/2006/relationships" xmlns:p="http://schemas.openxmlformats.org/presentationml/2006/main">
+  <p:cSld>
+    <p:spTree>
+      <p:nvGrpSpPr>
+        <p:cNvPr id="1" name=""/>
+        <p:cNvGrpSpPr/>
+        <p:nvPr/>
+      </p:nvGrpSpPr>
+      <p:grpSpPr>
+        <a:xfrm>
+          <a:off x="0" y="0"/>
+          <a:ext cx="0" cy="0"/>
+          <a:chOff x="0" y="0"/>
+          <a:chExt cx="0" cy="0"/>
+        </a:xfrm>
+      </p:grpSpPr>
+      <p:sp>
+        <p:nvSpPr>
+          <p:cNvPr id="2" name="Title 1">
+            <a:extLst>
+              <a:ext uri="{FF2B5EF4-FFF2-40B4-BE49-F238E27FC236}">
+                <a16:creationId xmlns:a16="http://schemas.microsoft.com/office/drawing/2014/main" id="{5A817F65-0249-4813-916F-D22CF5F41D8C}"/>
+              </a:ext>
+            </a:extLst>
+          </p:cNvPr>
+          <p:cNvSpPr>
+            <a:spLocks noGrp="1"/>
+          </p:cNvSpPr>
+          <p:nvPr>
+            <p:ph type="title"/>
+          </p:nvPr>
+        </p:nvSpPr>
+        <p:spPr/>
+        <p:txBody>
+          <a:bodyPr/>
+          <a:lstStyle/>
+          <a:p>
+            <a:r>
+              <a:rPr lang="en-US" dirty="0"/>
+              <a:t>Config the URL for viewing result</a:t>
+            </a:r>
+            <a:endParaRPr lang="en-MY" dirty="0"/>
+          </a:p>
+        </p:txBody>
+      </p:sp>
+      <p:sp>
+        <p:nvSpPr>
+          <p:cNvPr id="3" name="Content Placeholder 2">
+            <a:extLst>
+              <a:ext uri="{FF2B5EF4-FFF2-40B4-BE49-F238E27FC236}">
+                <a16:creationId xmlns:a16="http://schemas.microsoft.com/office/drawing/2014/main" id="{588B000C-CCD7-42E0-A4A2-DB893ED55A0D}"/>
+              </a:ext>
+            </a:extLst>
+          </p:cNvPr>
+          <p:cNvSpPr>
+            <a:spLocks noGrp="1"/>
+          </p:cNvSpPr>
+          <p:nvPr>
+            <p:ph idx="1"/>
+          </p:nvPr>
+        </p:nvSpPr>
+        <p:spPr>
+          <a:xfrm>
+            <a:off x="1069848" y="2121408"/>
+            <a:ext cx="10058400" cy="3267338"/>
+          </a:xfrm>
+        </p:spPr>
+        <p:txBody>
+          <a:bodyPr>
+            <a:normAutofit/>
+          </a:bodyPr>
+          <a:lstStyle/>
+          <a:p>
+            <a:r>
+              <a:rPr lang="en-US" dirty="0"/>
+              <a:t>Add new URL for ‘/result/&lt;</a:t>
+            </a:r>
+            <a:r>
+              <a:rPr lang="en-US" dirty="0" err="1"/>
+              <a:t>int:pk</a:t>
+            </a:r>
+            <a:r>
+              <a:rPr lang="en-US" dirty="0"/>
+              <a:t>&gt;/’ </a:t>
+            </a:r>
+          </a:p>
+        </p:txBody>
+      </p:sp>
+      <p:pic>
+        <p:nvPicPr>
+          <p:cNvPr id="6" name="Picture 5">
+            <a:extLst>
+              <a:ext uri="{FF2B5EF4-FFF2-40B4-BE49-F238E27FC236}">
+                <a16:creationId xmlns:a16="http://schemas.microsoft.com/office/drawing/2014/main" id="{92A17A78-EB6A-438C-B735-515DE33B4233}"/>
+              </a:ext>
+            </a:extLst>
+          </p:cNvPr>
+          <p:cNvPicPr>
+            <a:picLocks noChangeAspect="1"/>
+          </p:cNvPicPr>
+          <p:nvPr/>
+        </p:nvPicPr>
+        <p:blipFill rotWithShape="1">
+          <a:blip r:embed="rId2"/>
+          <a:srcRect t="25010" b="26246"/>
+          <a:stretch/>
+        </p:blipFill>
+        <p:spPr>
+          <a:xfrm>
+            <a:off x="1349971" y="2830830"/>
+            <a:ext cx="8811855" cy="185738"/>
+          </a:xfrm>
+          <a:prstGeom prst="rect">
+            <a:avLst/>
+          </a:prstGeom>
+        </p:spPr>
+      </p:pic>
+    </p:spTree>
+    <p:extLst>
+      <p:ext uri="{BB962C8B-B14F-4D97-AF65-F5344CB8AC3E}">
+        <p14:creationId xmlns:p14="http://schemas.microsoft.com/office/powerpoint/2010/main" val="3320987705"/>
       </p:ext>
     </p:extLst>
   </p:cSld>
@@ -11695,6 +13130,1458 @@
 </p:sld>
 </file>
 
+<file path=ppt/slides/slide20.xml><?xml version="1.0" encoding="utf-8"?>
+<p:sld xmlns:a="http://schemas.openxmlformats.org/drawingml/2006/main" xmlns:r="http://schemas.openxmlformats.org/officeDocument/2006/relationships" xmlns:p="http://schemas.openxmlformats.org/presentationml/2006/main">
+  <p:cSld>
+    <p:spTree>
+      <p:nvGrpSpPr>
+        <p:cNvPr id="1" name=""/>
+        <p:cNvGrpSpPr/>
+        <p:nvPr/>
+      </p:nvGrpSpPr>
+      <p:grpSpPr>
+        <a:xfrm>
+          <a:off x="0" y="0"/>
+          <a:ext cx="0" cy="0"/>
+          <a:chOff x="0" y="0"/>
+          <a:chExt cx="0" cy="0"/>
+        </a:xfrm>
+      </p:grpSpPr>
+      <p:sp>
+        <p:nvSpPr>
+          <p:cNvPr id="2" name="Title 1">
+            <a:extLst>
+              <a:ext uri="{FF2B5EF4-FFF2-40B4-BE49-F238E27FC236}">
+                <a16:creationId xmlns:a16="http://schemas.microsoft.com/office/drawing/2014/main" id="{5A817F65-0249-4813-916F-D22CF5F41D8C}"/>
+              </a:ext>
+            </a:extLst>
+          </p:cNvPr>
+          <p:cNvSpPr>
+            <a:spLocks noGrp="1"/>
+          </p:cNvSpPr>
+          <p:nvPr>
+            <p:ph type="title"/>
+          </p:nvPr>
+        </p:nvSpPr>
+        <p:spPr/>
+        <p:txBody>
+          <a:bodyPr/>
+          <a:lstStyle/>
+          <a:p>
+            <a:r>
+              <a:rPr lang="en-US" dirty="0"/>
+              <a:t>Add view for checking result</a:t>
+            </a:r>
+            <a:endParaRPr lang="en-MY" dirty="0"/>
+          </a:p>
+        </p:txBody>
+      </p:sp>
+      <p:sp>
+        <p:nvSpPr>
+          <p:cNvPr id="3" name="Content Placeholder 2">
+            <a:extLst>
+              <a:ext uri="{FF2B5EF4-FFF2-40B4-BE49-F238E27FC236}">
+                <a16:creationId xmlns:a16="http://schemas.microsoft.com/office/drawing/2014/main" id="{588B000C-CCD7-42E0-A4A2-DB893ED55A0D}"/>
+              </a:ext>
+            </a:extLst>
+          </p:cNvPr>
+          <p:cNvSpPr>
+            <a:spLocks noGrp="1"/>
+          </p:cNvSpPr>
+          <p:nvPr>
+            <p:ph idx="1"/>
+          </p:nvPr>
+        </p:nvSpPr>
+        <p:spPr>
+          <a:xfrm>
+            <a:off x="1069848" y="2121408"/>
+            <a:ext cx="10058400" cy="1609344"/>
+          </a:xfrm>
+        </p:spPr>
+        <p:txBody>
+          <a:bodyPr>
+            <a:normAutofit/>
+          </a:bodyPr>
+          <a:lstStyle/>
+          <a:p>
+            <a:r>
+              <a:rPr lang="en-US" dirty="0"/>
+              <a:t>The new view also from the </a:t>
+            </a:r>
+            <a:r>
+              <a:rPr lang="en-US" dirty="0" err="1"/>
+              <a:t>DetailView</a:t>
+            </a:r>
+            <a:r>
+              <a:rPr lang="en-US" dirty="0"/>
+              <a:t>.</a:t>
+            </a:r>
+          </a:p>
+          <a:p>
+            <a:r>
+              <a:rPr lang="en-US" dirty="0"/>
+              <a:t>The main content is based on Question, although it added vote results. So it is using model Question’s detail (one item of Question).</a:t>
+            </a:r>
+          </a:p>
+        </p:txBody>
+      </p:sp>
+      <p:pic>
+        <p:nvPicPr>
+          <p:cNvPr id="5" name="Picture 4">
+            <a:extLst>
+              <a:ext uri="{FF2B5EF4-FFF2-40B4-BE49-F238E27FC236}">
+                <a16:creationId xmlns:a16="http://schemas.microsoft.com/office/drawing/2014/main" id="{B822A106-36D1-45C4-9CF4-F282EE122DFC}"/>
+              </a:ext>
+            </a:extLst>
+          </p:cNvPr>
+          <p:cNvPicPr>
+            <a:picLocks noChangeAspect="1"/>
+          </p:cNvPicPr>
+          <p:nvPr/>
+        </p:nvPicPr>
+        <p:blipFill>
+          <a:blip r:embed="rId2"/>
+          <a:stretch>
+            <a:fillRect/>
+          </a:stretch>
+        </p:blipFill>
+        <p:spPr>
+          <a:xfrm>
+            <a:off x="1634910" y="3718525"/>
+            <a:ext cx="5258534" cy="1771897"/>
+          </a:xfrm>
+          <a:prstGeom prst="rect">
+            <a:avLst/>
+          </a:prstGeom>
+        </p:spPr>
+      </p:pic>
+    </p:spTree>
+    <p:extLst>
+      <p:ext uri="{BB962C8B-B14F-4D97-AF65-F5344CB8AC3E}">
+        <p14:creationId xmlns:p14="http://schemas.microsoft.com/office/powerpoint/2010/main" val="246451916"/>
+      </p:ext>
+    </p:extLst>
+  </p:cSld>
+  <p:clrMapOvr>
+    <a:masterClrMapping/>
+  </p:clrMapOvr>
+</p:sld>
+</file>
+
+<file path=ppt/slides/slide21.xml><?xml version="1.0" encoding="utf-8"?>
+<p:sld xmlns:a="http://schemas.openxmlformats.org/drawingml/2006/main" xmlns:r="http://schemas.openxmlformats.org/officeDocument/2006/relationships" xmlns:p="http://schemas.openxmlformats.org/presentationml/2006/main">
+  <p:cSld>
+    <p:spTree>
+      <p:nvGrpSpPr>
+        <p:cNvPr id="1" name=""/>
+        <p:cNvGrpSpPr/>
+        <p:nvPr/>
+      </p:nvGrpSpPr>
+      <p:grpSpPr>
+        <a:xfrm>
+          <a:off x="0" y="0"/>
+          <a:ext cx="0" cy="0"/>
+          <a:chOff x="0" y="0"/>
+          <a:chExt cx="0" cy="0"/>
+        </a:xfrm>
+      </p:grpSpPr>
+      <p:sp>
+        <p:nvSpPr>
+          <p:cNvPr id="2" name="Title 1">
+            <a:extLst>
+              <a:ext uri="{FF2B5EF4-FFF2-40B4-BE49-F238E27FC236}">
+                <a16:creationId xmlns:a16="http://schemas.microsoft.com/office/drawing/2014/main" id="{477E8C87-54FB-4292-8444-21E2C7627A56}"/>
+              </a:ext>
+            </a:extLst>
+          </p:cNvPr>
+          <p:cNvSpPr>
+            <a:spLocks noGrp="1"/>
+          </p:cNvSpPr>
+          <p:nvPr>
+            <p:ph type="title"/>
+          </p:nvPr>
+        </p:nvSpPr>
+        <p:spPr>
+          <a:xfrm>
+            <a:off x="441198" y="310896"/>
+            <a:ext cx="5731002" cy="1609344"/>
+          </a:xfrm>
+        </p:spPr>
+        <p:txBody>
+          <a:bodyPr/>
+          <a:lstStyle/>
+          <a:p>
+            <a:r>
+              <a:rPr lang="en-US" dirty="0"/>
+              <a:t>Add template</a:t>
+            </a:r>
+            <a:endParaRPr lang="en-MY" dirty="0"/>
+          </a:p>
+        </p:txBody>
+      </p:sp>
+      <p:sp>
+        <p:nvSpPr>
+          <p:cNvPr id="3" name="Content Placeholder 2">
+            <a:extLst>
+              <a:ext uri="{FF2B5EF4-FFF2-40B4-BE49-F238E27FC236}">
+                <a16:creationId xmlns:a16="http://schemas.microsoft.com/office/drawing/2014/main" id="{7C298690-2FA3-4AA2-BEA2-9514435CD3F0}"/>
+              </a:ext>
+            </a:extLst>
+          </p:cNvPr>
+          <p:cNvSpPr>
+            <a:spLocks noGrp="1"/>
+          </p:cNvSpPr>
+          <p:nvPr>
+            <p:ph idx="1"/>
+          </p:nvPr>
+        </p:nvSpPr>
+        <p:spPr>
+          <a:xfrm>
+            <a:off x="441198" y="1920240"/>
+            <a:ext cx="3741679" cy="4050792"/>
+          </a:xfrm>
+        </p:spPr>
+        <p:txBody>
+          <a:bodyPr/>
+          <a:lstStyle/>
+          <a:p>
+            <a:r>
+              <a:rPr lang="en-US" dirty="0" err="1"/>
+              <a:t>Exntends</a:t>
+            </a:r>
+            <a:r>
+              <a:rPr lang="en-US" dirty="0"/>
+              <a:t> from base.html</a:t>
+            </a:r>
+          </a:p>
+          <a:p>
+            <a:r>
+              <a:rPr lang="en-US" dirty="0"/>
+              <a:t>All content similar to detail template. Only added how many users opt for the choice, and we show the text in red larger size.</a:t>
+            </a:r>
+          </a:p>
+        </p:txBody>
+      </p:sp>
+      <p:pic>
+        <p:nvPicPr>
+          <p:cNvPr id="7" name="Picture 6">
+            <a:extLst>
+              <a:ext uri="{FF2B5EF4-FFF2-40B4-BE49-F238E27FC236}">
+                <a16:creationId xmlns:a16="http://schemas.microsoft.com/office/drawing/2014/main" id="{43099531-8835-45C9-BD09-2E370F763302}"/>
+              </a:ext>
+            </a:extLst>
+          </p:cNvPr>
+          <p:cNvPicPr>
+            <a:picLocks noChangeAspect="1"/>
+          </p:cNvPicPr>
+          <p:nvPr/>
+        </p:nvPicPr>
+        <p:blipFill>
+          <a:blip r:embed="rId2"/>
+          <a:stretch>
+            <a:fillRect/>
+          </a:stretch>
+        </p:blipFill>
+        <p:spPr>
+          <a:xfrm>
+            <a:off x="4182877" y="486096"/>
+            <a:ext cx="7735380" cy="5887272"/>
+          </a:xfrm>
+          <a:prstGeom prst="rect">
+            <a:avLst/>
+          </a:prstGeom>
+        </p:spPr>
+      </p:pic>
+      <p:sp>
+        <p:nvSpPr>
+          <p:cNvPr id="4" name="Rectangle 3">
+            <a:extLst>
+              <a:ext uri="{FF2B5EF4-FFF2-40B4-BE49-F238E27FC236}">
+                <a16:creationId xmlns:a16="http://schemas.microsoft.com/office/drawing/2014/main" id="{0466A948-699D-4A2D-A8BD-F540625ED2D8}"/>
+              </a:ext>
+            </a:extLst>
+          </p:cNvPr>
+          <p:cNvSpPr/>
+          <p:nvPr/>
+        </p:nvSpPr>
+        <p:spPr>
+          <a:xfrm>
+            <a:off x="5086349" y="3962399"/>
+            <a:ext cx="6029326" cy="400051"/>
+          </a:xfrm>
+          <a:prstGeom prst="rect">
+            <a:avLst/>
+          </a:prstGeom>
+          <a:noFill/>
+        </p:spPr>
+        <p:style>
+          <a:lnRef idx="2">
+            <a:schemeClr val="accent1">
+              <a:shade val="50000"/>
+            </a:schemeClr>
+          </a:lnRef>
+          <a:fillRef idx="1">
+            <a:schemeClr val="accent1"/>
+          </a:fillRef>
+          <a:effectRef idx="0">
+            <a:schemeClr val="accent1"/>
+          </a:effectRef>
+          <a:fontRef idx="minor">
+            <a:schemeClr val="lt1"/>
+          </a:fontRef>
+        </p:style>
+        <p:txBody>
+          <a:bodyPr rtlCol="0" anchor="ctr"/>
+          <a:lstStyle/>
+          <a:p>
+            <a:pPr algn="ctr"/>
+            <a:endParaRPr lang="en-MY"/>
+          </a:p>
+        </p:txBody>
+      </p:sp>
+    </p:spTree>
+    <p:extLst>
+      <p:ext uri="{BB962C8B-B14F-4D97-AF65-F5344CB8AC3E}">
+        <p14:creationId xmlns:p14="http://schemas.microsoft.com/office/powerpoint/2010/main" val="285818922"/>
+      </p:ext>
+    </p:extLst>
+  </p:cSld>
+  <p:clrMapOvr>
+    <a:masterClrMapping/>
+  </p:clrMapOvr>
+</p:sld>
+</file>
+
+<file path=ppt/slides/slide22.xml><?xml version="1.0" encoding="utf-8"?>
+<p:sld xmlns:a="http://schemas.openxmlformats.org/drawingml/2006/main" xmlns:r="http://schemas.openxmlformats.org/officeDocument/2006/relationships" xmlns:p="http://schemas.openxmlformats.org/presentationml/2006/main">
+  <p:cSld>
+    <p:spTree>
+      <p:nvGrpSpPr>
+        <p:cNvPr id="1" name=""/>
+        <p:cNvGrpSpPr/>
+        <p:nvPr/>
+      </p:nvGrpSpPr>
+      <p:grpSpPr>
+        <a:xfrm>
+          <a:off x="0" y="0"/>
+          <a:ext cx="0" cy="0"/>
+          <a:chOff x="0" y="0"/>
+          <a:chExt cx="0" cy="0"/>
+        </a:xfrm>
+      </p:grpSpPr>
+      <p:sp>
+        <p:nvSpPr>
+          <p:cNvPr id="2" name="Title 1">
+            <a:extLst>
+              <a:ext uri="{FF2B5EF4-FFF2-40B4-BE49-F238E27FC236}">
+                <a16:creationId xmlns:a16="http://schemas.microsoft.com/office/drawing/2014/main" id="{5A817F65-0249-4813-916F-D22CF5F41D8C}"/>
+              </a:ext>
+            </a:extLst>
+          </p:cNvPr>
+          <p:cNvSpPr>
+            <a:spLocks noGrp="1"/>
+          </p:cNvSpPr>
+          <p:nvPr>
+            <p:ph type="title"/>
+          </p:nvPr>
+        </p:nvSpPr>
+        <p:spPr/>
+        <p:txBody>
+          <a:bodyPr/>
+          <a:lstStyle/>
+          <a:p>
+            <a:r>
+              <a:rPr lang="en-US" dirty="0"/>
+              <a:t>Change detail template a button to view result</a:t>
+            </a:r>
+            <a:endParaRPr lang="en-MY" dirty="0"/>
+          </a:p>
+        </p:txBody>
+      </p:sp>
+      <p:sp>
+        <p:nvSpPr>
+          <p:cNvPr id="3" name="Content Placeholder 2">
+            <a:extLst>
+              <a:ext uri="{FF2B5EF4-FFF2-40B4-BE49-F238E27FC236}">
+                <a16:creationId xmlns:a16="http://schemas.microsoft.com/office/drawing/2014/main" id="{588B000C-CCD7-42E0-A4A2-DB893ED55A0D}"/>
+              </a:ext>
+            </a:extLst>
+          </p:cNvPr>
+          <p:cNvSpPr>
+            <a:spLocks noGrp="1"/>
+          </p:cNvSpPr>
+          <p:nvPr>
+            <p:ph idx="1"/>
+          </p:nvPr>
+        </p:nvSpPr>
+        <p:spPr>
+          <a:xfrm>
+            <a:off x="1069848" y="2121409"/>
+            <a:ext cx="9160002" cy="755142"/>
+          </a:xfrm>
+        </p:spPr>
+        <p:txBody>
+          <a:bodyPr>
+            <a:normAutofit/>
+          </a:bodyPr>
+          <a:lstStyle/>
+          <a:p>
+            <a:r>
+              <a:rPr lang="en-US" dirty="0"/>
+              <a:t>At each question detail page, add one link to check the result.</a:t>
+            </a:r>
+          </a:p>
+        </p:txBody>
+      </p:sp>
+      <p:pic>
+        <p:nvPicPr>
+          <p:cNvPr id="6" name="Picture 5">
+            <a:extLst>
+              <a:ext uri="{FF2B5EF4-FFF2-40B4-BE49-F238E27FC236}">
+                <a16:creationId xmlns:a16="http://schemas.microsoft.com/office/drawing/2014/main" id="{764EF642-9CCD-471D-AA73-BBE8537AB2F4}"/>
+              </a:ext>
+            </a:extLst>
+          </p:cNvPr>
+          <p:cNvPicPr>
+            <a:picLocks noChangeAspect="1"/>
+          </p:cNvPicPr>
+          <p:nvPr/>
+        </p:nvPicPr>
+        <p:blipFill>
+          <a:blip r:embed="rId2"/>
+          <a:stretch>
+            <a:fillRect/>
+          </a:stretch>
+        </p:blipFill>
+        <p:spPr>
+          <a:xfrm>
+            <a:off x="2871337" y="2876551"/>
+            <a:ext cx="6449325" cy="2886478"/>
+          </a:xfrm>
+          <a:prstGeom prst="rect">
+            <a:avLst/>
+          </a:prstGeom>
+        </p:spPr>
+      </p:pic>
+      <p:sp>
+        <p:nvSpPr>
+          <p:cNvPr id="8" name="Rectangle 7">
+            <a:extLst>
+              <a:ext uri="{FF2B5EF4-FFF2-40B4-BE49-F238E27FC236}">
+                <a16:creationId xmlns:a16="http://schemas.microsoft.com/office/drawing/2014/main" id="{90BC11E7-5D9C-4920-BC68-209D4B4C9B4C}"/>
+              </a:ext>
+            </a:extLst>
+          </p:cNvPr>
+          <p:cNvSpPr/>
+          <p:nvPr/>
+        </p:nvSpPr>
+        <p:spPr>
+          <a:xfrm>
+            <a:off x="3171824" y="4876799"/>
+            <a:ext cx="6067426" cy="400051"/>
+          </a:xfrm>
+          <a:prstGeom prst="rect">
+            <a:avLst/>
+          </a:prstGeom>
+          <a:noFill/>
+        </p:spPr>
+        <p:style>
+          <a:lnRef idx="2">
+            <a:schemeClr val="accent1">
+              <a:shade val="50000"/>
+            </a:schemeClr>
+          </a:lnRef>
+          <a:fillRef idx="1">
+            <a:schemeClr val="accent1"/>
+          </a:fillRef>
+          <a:effectRef idx="0">
+            <a:schemeClr val="accent1"/>
+          </a:effectRef>
+          <a:fontRef idx="minor">
+            <a:schemeClr val="lt1"/>
+          </a:fontRef>
+        </p:style>
+        <p:txBody>
+          <a:bodyPr rtlCol="0" anchor="ctr"/>
+          <a:lstStyle/>
+          <a:p>
+            <a:pPr algn="ctr"/>
+            <a:endParaRPr lang="en-MY"/>
+          </a:p>
+        </p:txBody>
+      </p:sp>
+    </p:spTree>
+    <p:extLst>
+      <p:ext uri="{BB962C8B-B14F-4D97-AF65-F5344CB8AC3E}">
+        <p14:creationId xmlns:p14="http://schemas.microsoft.com/office/powerpoint/2010/main" val="2587062739"/>
+      </p:ext>
+    </p:extLst>
+  </p:cSld>
+  <p:clrMapOvr>
+    <a:masterClrMapping/>
+  </p:clrMapOvr>
+</p:sld>
+</file>
+
+<file path=ppt/slides/slide23.xml><?xml version="1.0" encoding="utf-8"?>
+<p:sld xmlns:a="http://schemas.openxmlformats.org/drawingml/2006/main" xmlns:r="http://schemas.openxmlformats.org/officeDocument/2006/relationships" xmlns:p="http://schemas.openxmlformats.org/presentationml/2006/main">
+  <p:cSld>
+    <p:spTree>
+      <p:nvGrpSpPr>
+        <p:cNvPr id="1" name=""/>
+        <p:cNvGrpSpPr/>
+        <p:nvPr/>
+      </p:nvGrpSpPr>
+      <p:grpSpPr>
+        <a:xfrm>
+          <a:off x="0" y="0"/>
+          <a:ext cx="0" cy="0"/>
+          <a:chOff x="0" y="0"/>
+          <a:chExt cx="0" cy="0"/>
+        </a:xfrm>
+      </p:grpSpPr>
+      <p:sp>
+        <p:nvSpPr>
+          <p:cNvPr id="2" name="Title 1">
+            <a:extLst>
+              <a:ext uri="{FF2B5EF4-FFF2-40B4-BE49-F238E27FC236}">
+                <a16:creationId xmlns:a16="http://schemas.microsoft.com/office/drawing/2014/main" id="{5A817F65-0249-4813-916F-D22CF5F41D8C}"/>
+              </a:ext>
+            </a:extLst>
+          </p:cNvPr>
+          <p:cNvSpPr>
+            <a:spLocks noGrp="1"/>
+          </p:cNvSpPr>
+          <p:nvPr>
+            <p:ph type="title"/>
+          </p:nvPr>
+        </p:nvSpPr>
+        <p:spPr>
+          <a:xfrm>
+            <a:off x="1069848" y="94107"/>
+            <a:ext cx="10058400" cy="1609344"/>
+          </a:xfrm>
+        </p:spPr>
+        <p:txBody>
+          <a:bodyPr/>
+          <a:lstStyle/>
+          <a:p>
+            <a:r>
+              <a:rPr lang="en-US" dirty="0"/>
+              <a:t>From the browser</a:t>
+            </a:r>
+            <a:endParaRPr lang="en-MY" dirty="0"/>
+          </a:p>
+        </p:txBody>
+      </p:sp>
+      <p:pic>
+        <p:nvPicPr>
+          <p:cNvPr id="12" name="Picture 11">
+            <a:extLst>
+              <a:ext uri="{FF2B5EF4-FFF2-40B4-BE49-F238E27FC236}">
+                <a16:creationId xmlns:a16="http://schemas.microsoft.com/office/drawing/2014/main" id="{5803A05E-309F-42F9-B192-3F18FE9B5140}"/>
+              </a:ext>
+            </a:extLst>
+          </p:cNvPr>
+          <p:cNvPicPr>
+            <a:picLocks noChangeAspect="1"/>
+          </p:cNvPicPr>
+          <p:nvPr/>
+        </p:nvPicPr>
+        <p:blipFill>
+          <a:blip r:embed="rId2"/>
+          <a:stretch>
+            <a:fillRect/>
+          </a:stretch>
+        </p:blipFill>
+        <p:spPr>
+          <a:xfrm>
+            <a:off x="323290" y="1261832"/>
+            <a:ext cx="8021169" cy="3305636"/>
+          </a:xfrm>
+          <a:prstGeom prst="rect">
+            <a:avLst/>
+          </a:prstGeom>
+        </p:spPr>
+      </p:pic>
+      <p:sp>
+        <p:nvSpPr>
+          <p:cNvPr id="13" name="Rectangle 12">
+            <a:extLst>
+              <a:ext uri="{FF2B5EF4-FFF2-40B4-BE49-F238E27FC236}">
+                <a16:creationId xmlns:a16="http://schemas.microsoft.com/office/drawing/2014/main" id="{F7B99B1B-43C0-4F09-ADD4-9100C9E6EB84}"/>
+              </a:ext>
+            </a:extLst>
+          </p:cNvPr>
+          <p:cNvSpPr/>
+          <p:nvPr/>
+        </p:nvSpPr>
+        <p:spPr>
+          <a:xfrm>
+            <a:off x="1088898" y="4076699"/>
+            <a:ext cx="1695451" cy="400051"/>
+          </a:xfrm>
+          <a:prstGeom prst="rect">
+            <a:avLst/>
+          </a:prstGeom>
+          <a:noFill/>
+        </p:spPr>
+        <p:style>
+          <a:lnRef idx="2">
+            <a:schemeClr val="accent1">
+              <a:shade val="50000"/>
+            </a:schemeClr>
+          </a:lnRef>
+          <a:fillRef idx="1">
+            <a:schemeClr val="accent1"/>
+          </a:fillRef>
+          <a:effectRef idx="0">
+            <a:schemeClr val="accent1"/>
+          </a:effectRef>
+          <a:fontRef idx="minor">
+            <a:schemeClr val="lt1"/>
+          </a:fontRef>
+        </p:style>
+        <p:txBody>
+          <a:bodyPr rtlCol="0" anchor="ctr"/>
+          <a:lstStyle/>
+          <a:p>
+            <a:pPr algn="ctr"/>
+            <a:endParaRPr lang="en-MY"/>
+          </a:p>
+        </p:txBody>
+      </p:sp>
+      <p:pic>
+        <p:nvPicPr>
+          <p:cNvPr id="15" name="Picture 14">
+            <a:extLst>
+              <a:ext uri="{FF2B5EF4-FFF2-40B4-BE49-F238E27FC236}">
+                <a16:creationId xmlns:a16="http://schemas.microsoft.com/office/drawing/2014/main" id="{9DEA72EA-E780-494E-8007-33BF45752592}"/>
+              </a:ext>
+            </a:extLst>
+          </p:cNvPr>
+          <p:cNvPicPr>
+            <a:picLocks noChangeAspect="1"/>
+          </p:cNvPicPr>
+          <p:nvPr/>
+        </p:nvPicPr>
+        <p:blipFill>
+          <a:blip r:embed="rId3"/>
+          <a:stretch>
+            <a:fillRect/>
+          </a:stretch>
+        </p:blipFill>
+        <p:spPr>
+          <a:xfrm>
+            <a:off x="4095225" y="3071560"/>
+            <a:ext cx="7773485" cy="3610479"/>
+          </a:xfrm>
+          <a:prstGeom prst="rect">
+            <a:avLst/>
+          </a:prstGeom>
+        </p:spPr>
+      </p:pic>
+      <p:cxnSp>
+        <p:nvCxnSpPr>
+          <p:cNvPr id="17" name="Straight Arrow Connector 16">
+            <a:extLst>
+              <a:ext uri="{FF2B5EF4-FFF2-40B4-BE49-F238E27FC236}">
+                <a16:creationId xmlns:a16="http://schemas.microsoft.com/office/drawing/2014/main" id="{05A4793D-1B72-4ABD-A204-BFD21CFA4C19}"/>
+              </a:ext>
+            </a:extLst>
+          </p:cNvPr>
+          <p:cNvCxnSpPr/>
+          <p:nvPr/>
+        </p:nvCxnSpPr>
+        <p:spPr>
+          <a:xfrm>
+            <a:off x="2933700" y="4276724"/>
+            <a:ext cx="2724150" cy="419101"/>
+          </a:xfrm>
+          <a:prstGeom prst="straightConnector1">
+            <a:avLst/>
+          </a:prstGeom>
+          <a:ln>
+            <a:tailEnd type="triangle"/>
+          </a:ln>
+        </p:spPr>
+        <p:style>
+          <a:lnRef idx="1">
+            <a:schemeClr val="accent1"/>
+          </a:lnRef>
+          <a:fillRef idx="0">
+            <a:schemeClr val="accent1"/>
+          </a:fillRef>
+          <a:effectRef idx="0">
+            <a:schemeClr val="accent1"/>
+          </a:effectRef>
+          <a:fontRef idx="minor">
+            <a:schemeClr val="tx1"/>
+          </a:fontRef>
+        </p:style>
+      </p:cxnSp>
+    </p:spTree>
+    <p:extLst>
+      <p:ext uri="{BB962C8B-B14F-4D97-AF65-F5344CB8AC3E}">
+        <p14:creationId xmlns:p14="http://schemas.microsoft.com/office/powerpoint/2010/main" val="3827001385"/>
+      </p:ext>
+    </p:extLst>
+  </p:cSld>
+  <p:clrMapOvr>
+    <a:masterClrMapping/>
+  </p:clrMapOvr>
+</p:sld>
+</file>
+
+<file path=ppt/slides/slide24.xml><?xml version="1.0" encoding="utf-8"?>
+<p:sld xmlns:a="http://schemas.openxmlformats.org/drawingml/2006/main" xmlns:r="http://schemas.openxmlformats.org/officeDocument/2006/relationships" xmlns:p="http://schemas.openxmlformats.org/presentationml/2006/main">
+  <p:cSld>
+    <p:spTree>
+      <p:nvGrpSpPr>
+        <p:cNvPr id="1" name=""/>
+        <p:cNvGrpSpPr/>
+        <p:nvPr/>
+      </p:nvGrpSpPr>
+      <p:grpSpPr>
+        <a:xfrm>
+          <a:off x="0" y="0"/>
+          <a:ext cx="0" cy="0"/>
+          <a:chOff x="0" y="0"/>
+          <a:chExt cx="0" cy="0"/>
+        </a:xfrm>
+      </p:grpSpPr>
+      <p:sp>
+        <p:nvSpPr>
+          <p:cNvPr id="2" name="Title 1">
+            <a:extLst>
+              <a:ext uri="{FF2B5EF4-FFF2-40B4-BE49-F238E27FC236}">
+                <a16:creationId xmlns:a16="http://schemas.microsoft.com/office/drawing/2014/main" id="{D96339A2-EA95-42B1-BF4D-FC256EEED557}"/>
+              </a:ext>
+            </a:extLst>
+          </p:cNvPr>
+          <p:cNvSpPr>
+            <a:spLocks noGrp="1"/>
+          </p:cNvSpPr>
+          <p:nvPr>
+            <p:ph type="title"/>
+          </p:nvPr>
+        </p:nvSpPr>
+        <p:spPr/>
+        <p:txBody>
+          <a:bodyPr/>
+          <a:lstStyle/>
+          <a:p>
+            <a:r>
+              <a:rPr lang="en-US" dirty="0"/>
+              <a:t>You can push all code to remote repo. Deploy to </a:t>
+            </a:r>
+            <a:r>
+              <a:rPr lang="en-US" dirty="0" err="1"/>
+              <a:t>heroku</a:t>
+            </a:r>
+            <a:endParaRPr lang="en-MY" dirty="0"/>
+          </a:p>
+        </p:txBody>
+      </p:sp>
+      <p:sp>
+        <p:nvSpPr>
+          <p:cNvPr id="4" name="Content Placeholder 2">
+            <a:extLst>
+              <a:ext uri="{FF2B5EF4-FFF2-40B4-BE49-F238E27FC236}">
+                <a16:creationId xmlns:a16="http://schemas.microsoft.com/office/drawing/2014/main" id="{11258856-EF0F-4941-8149-0F7A247B7603}"/>
+              </a:ext>
+            </a:extLst>
+          </p:cNvPr>
+          <p:cNvSpPr txBox="1">
+            <a:spLocks/>
+          </p:cNvSpPr>
+          <p:nvPr/>
+        </p:nvSpPr>
+        <p:spPr>
+          <a:xfrm>
+            <a:off x="1069848" y="2501002"/>
+            <a:ext cx="8953042" cy="1609344"/>
+          </a:xfrm>
+          <a:prstGeom prst="rect">
+            <a:avLst/>
+          </a:prstGeom>
+        </p:spPr>
+        <p:txBody>
+          <a:bodyPr vert="horz" lIns="91440" tIns="45720" rIns="91440" bIns="45720" rtlCol="0">
+            <a:normAutofit lnSpcReduction="10000"/>
+          </a:bodyPr>
+          <a:lstStyle>
+            <a:lvl1pPr marL="182880" indent="-182880" algn="l" defTabSz="914400" rtl="0" eaLnBrk="1" latinLnBrk="0" hangingPunct="1">
+              <a:lnSpc>
+                <a:spcPct val="90000"/>
+              </a:lnSpc>
+              <a:spcBef>
+                <a:spcPts val="1200"/>
+              </a:spcBef>
+              <a:buClr>
+                <a:schemeClr val="accent1">
+                  <a:lumMod val="75000"/>
+                </a:schemeClr>
+              </a:buClr>
+              <a:buSzPct val="85000"/>
+              <a:buFont typeface="Wingdings" pitchFamily="2" charset="2"/>
+              <a:buChar char="§"/>
+              <a:defRPr sz="2000" kern="1200">
+                <a:solidFill>
+                  <a:schemeClr val="tx1"/>
+                </a:solidFill>
+                <a:latin typeface="+mn-lt"/>
+                <a:ea typeface="+mn-ea"/>
+                <a:cs typeface="+mn-cs"/>
+              </a:defRPr>
+            </a:lvl1pPr>
+            <a:lvl2pPr marL="457200" indent="-182880" algn="l" defTabSz="914400" rtl="0" eaLnBrk="1" latinLnBrk="0" hangingPunct="1">
+              <a:lnSpc>
+                <a:spcPct val="90000"/>
+              </a:lnSpc>
+              <a:spcBef>
+                <a:spcPts val="400"/>
+              </a:spcBef>
+              <a:spcAft>
+                <a:spcPts val="200"/>
+              </a:spcAft>
+              <a:buClr>
+                <a:schemeClr val="accent1">
+                  <a:lumMod val="75000"/>
+                </a:schemeClr>
+              </a:buClr>
+              <a:buSzPct val="85000"/>
+              <a:buFont typeface="Wingdings" pitchFamily="2" charset="2"/>
+              <a:buChar char="§"/>
+              <a:defRPr sz="1800" kern="1200">
+                <a:solidFill>
+                  <a:schemeClr val="tx1"/>
+                </a:solidFill>
+                <a:latin typeface="+mn-lt"/>
+                <a:ea typeface="+mn-ea"/>
+                <a:cs typeface="+mn-cs"/>
+              </a:defRPr>
+            </a:lvl2pPr>
+            <a:lvl3pPr marL="731520" indent="-182880" algn="l" defTabSz="914400" rtl="0" eaLnBrk="1" latinLnBrk="0" hangingPunct="1">
+              <a:lnSpc>
+                <a:spcPct val="90000"/>
+              </a:lnSpc>
+              <a:spcBef>
+                <a:spcPts val="400"/>
+              </a:spcBef>
+              <a:spcAft>
+                <a:spcPts val="200"/>
+              </a:spcAft>
+              <a:buClr>
+                <a:schemeClr val="accent1">
+                  <a:lumMod val="75000"/>
+                </a:schemeClr>
+              </a:buClr>
+              <a:buSzPct val="85000"/>
+              <a:buFont typeface="Wingdings" pitchFamily="2" charset="2"/>
+              <a:buChar char="§"/>
+              <a:defRPr sz="1600" kern="1200">
+                <a:solidFill>
+                  <a:schemeClr val="tx1"/>
+                </a:solidFill>
+                <a:latin typeface="+mn-lt"/>
+                <a:ea typeface="+mn-ea"/>
+                <a:cs typeface="+mn-cs"/>
+              </a:defRPr>
+            </a:lvl3pPr>
+            <a:lvl4pPr marL="1005840" indent="-182880" algn="l" defTabSz="914400" rtl="0" eaLnBrk="1" latinLnBrk="0" hangingPunct="1">
+              <a:lnSpc>
+                <a:spcPct val="90000"/>
+              </a:lnSpc>
+              <a:spcBef>
+                <a:spcPts val="400"/>
+              </a:spcBef>
+              <a:spcAft>
+                <a:spcPts val="200"/>
+              </a:spcAft>
+              <a:buClr>
+                <a:schemeClr val="accent1">
+                  <a:lumMod val="75000"/>
+                </a:schemeClr>
+              </a:buClr>
+              <a:buSzPct val="85000"/>
+              <a:buFont typeface="Wingdings" pitchFamily="2" charset="2"/>
+              <a:buChar char="§"/>
+              <a:defRPr sz="1600" kern="1200">
+                <a:solidFill>
+                  <a:schemeClr val="tx1"/>
+                </a:solidFill>
+                <a:latin typeface="+mn-lt"/>
+                <a:ea typeface="+mn-ea"/>
+                <a:cs typeface="+mn-cs"/>
+              </a:defRPr>
+            </a:lvl4pPr>
+            <a:lvl5pPr marL="1280160" indent="-182880" algn="l" defTabSz="914400" rtl="0" eaLnBrk="1" latinLnBrk="0" hangingPunct="1">
+              <a:lnSpc>
+                <a:spcPct val="90000"/>
+              </a:lnSpc>
+              <a:spcBef>
+                <a:spcPts val="400"/>
+              </a:spcBef>
+              <a:spcAft>
+                <a:spcPts val="200"/>
+              </a:spcAft>
+              <a:buClr>
+                <a:schemeClr val="accent1">
+                  <a:lumMod val="75000"/>
+                </a:schemeClr>
+              </a:buClr>
+              <a:buSzPct val="85000"/>
+              <a:buFont typeface="Wingdings" pitchFamily="2" charset="2"/>
+              <a:buChar char="§"/>
+              <a:defRPr sz="1600" kern="1200">
+                <a:solidFill>
+                  <a:schemeClr val="tx1"/>
+                </a:solidFill>
+                <a:latin typeface="+mn-lt"/>
+                <a:ea typeface="+mn-ea"/>
+                <a:cs typeface="+mn-cs"/>
+              </a:defRPr>
+            </a:lvl5pPr>
+            <a:lvl6pPr marL="1600000" indent="-228600" algn="l" defTabSz="914400" rtl="0" eaLnBrk="1" latinLnBrk="0" hangingPunct="1">
+              <a:lnSpc>
+                <a:spcPct val="90000"/>
+              </a:lnSpc>
+              <a:spcBef>
+                <a:spcPts val="400"/>
+              </a:spcBef>
+              <a:spcAft>
+                <a:spcPts val="200"/>
+              </a:spcAft>
+              <a:buClr>
+                <a:schemeClr val="accent1">
+                  <a:lumMod val="75000"/>
+                </a:schemeClr>
+              </a:buClr>
+              <a:buSzPct val="85000"/>
+              <a:buFont typeface="Wingdings" pitchFamily="2" charset="2"/>
+              <a:buChar char="§"/>
+              <a:defRPr sz="1600" kern="1200">
+                <a:solidFill>
+                  <a:schemeClr val="tx1"/>
+                </a:solidFill>
+                <a:latin typeface="+mn-lt"/>
+                <a:ea typeface="+mn-ea"/>
+                <a:cs typeface="+mn-cs"/>
+              </a:defRPr>
+            </a:lvl6pPr>
+            <a:lvl7pPr marL="1900000" indent="-228600" algn="l" defTabSz="914400" rtl="0" eaLnBrk="1" latinLnBrk="0" hangingPunct="1">
+              <a:lnSpc>
+                <a:spcPct val="90000"/>
+              </a:lnSpc>
+              <a:spcBef>
+                <a:spcPts val="400"/>
+              </a:spcBef>
+              <a:spcAft>
+                <a:spcPts val="200"/>
+              </a:spcAft>
+              <a:buClr>
+                <a:schemeClr val="accent1">
+                  <a:lumMod val="75000"/>
+                </a:schemeClr>
+              </a:buClr>
+              <a:buSzPct val="85000"/>
+              <a:buFont typeface="Wingdings" pitchFamily="2" charset="2"/>
+              <a:buChar char="§"/>
+              <a:defRPr sz="1600" kern="1200">
+                <a:solidFill>
+                  <a:schemeClr val="tx1"/>
+                </a:solidFill>
+                <a:latin typeface="+mn-lt"/>
+                <a:ea typeface="+mn-ea"/>
+                <a:cs typeface="+mn-cs"/>
+              </a:defRPr>
+            </a:lvl7pPr>
+            <a:lvl8pPr marL="2200000" indent="-228600" algn="l" defTabSz="914400" rtl="0" eaLnBrk="1" latinLnBrk="0" hangingPunct="1">
+              <a:lnSpc>
+                <a:spcPct val="90000"/>
+              </a:lnSpc>
+              <a:spcBef>
+                <a:spcPts val="400"/>
+              </a:spcBef>
+              <a:spcAft>
+                <a:spcPts val="200"/>
+              </a:spcAft>
+              <a:buClr>
+                <a:schemeClr val="accent1">
+                  <a:lumMod val="75000"/>
+                </a:schemeClr>
+              </a:buClr>
+              <a:buSzPct val="85000"/>
+              <a:buFont typeface="Wingdings" pitchFamily="2" charset="2"/>
+              <a:buChar char="§"/>
+              <a:defRPr sz="1600" kern="1200">
+                <a:solidFill>
+                  <a:schemeClr val="tx1"/>
+                </a:solidFill>
+                <a:latin typeface="+mn-lt"/>
+                <a:ea typeface="+mn-ea"/>
+                <a:cs typeface="+mn-cs"/>
+              </a:defRPr>
+            </a:lvl8pPr>
+            <a:lvl9pPr marL="2500000" indent="-228600" algn="l" defTabSz="914400" rtl="0" eaLnBrk="1" latinLnBrk="0" hangingPunct="1">
+              <a:lnSpc>
+                <a:spcPct val="90000"/>
+              </a:lnSpc>
+              <a:spcBef>
+                <a:spcPts val="400"/>
+              </a:spcBef>
+              <a:spcAft>
+                <a:spcPts val="200"/>
+              </a:spcAft>
+              <a:buClr>
+                <a:schemeClr val="accent1">
+                  <a:lumMod val="75000"/>
+                </a:schemeClr>
+              </a:buClr>
+              <a:buSzPct val="85000"/>
+              <a:buFont typeface="Wingdings" pitchFamily="2" charset="2"/>
+              <a:buChar char="§"/>
+              <a:defRPr sz="1600" kern="1200">
+                <a:solidFill>
+                  <a:schemeClr val="tx1"/>
+                </a:solidFill>
+                <a:latin typeface="+mn-lt"/>
+                <a:ea typeface="+mn-ea"/>
+                <a:cs typeface="+mn-cs"/>
+              </a:defRPr>
+            </a:lvl9pPr>
+          </a:lstStyle>
+          <a:p>
+            <a:pPr marL="0" indent="0">
+              <a:buNone/>
+            </a:pPr>
+            <a:r>
+              <a:rPr lang="en-US" sz="1400" dirty="0">
+                <a:latin typeface="Cascadia Mono" pitchFamily="50" charset="0"/>
+                <a:cs typeface="Cascadia Mono" pitchFamily="50" charset="0"/>
+              </a:rPr>
+              <a:t>PS&gt; cd </a:t>
+            </a:r>
+            <a:r>
+              <a:rPr lang="en-US" sz="1400" dirty="0" err="1">
+                <a:latin typeface="Cascadia Mono" pitchFamily="50" charset="0"/>
+                <a:cs typeface="Cascadia Mono" pitchFamily="50" charset="0"/>
+              </a:rPr>
+              <a:t>QuestionPrj</a:t>
+            </a:r>
+            <a:endParaRPr lang="en-US" sz="1400" dirty="0">
+              <a:latin typeface="Cascadia Mono" pitchFamily="50" charset="0"/>
+              <a:cs typeface="Cascadia Mono" pitchFamily="50" charset="0"/>
+            </a:endParaRPr>
+          </a:p>
+          <a:p>
+            <a:pPr marL="0" indent="0">
+              <a:buNone/>
+            </a:pPr>
+            <a:r>
+              <a:rPr lang="en-US" sz="1400" dirty="0">
+                <a:latin typeface="Cascadia Mono" pitchFamily="50" charset="0"/>
+                <a:cs typeface="Cascadia Mono" pitchFamily="50" charset="0"/>
+              </a:rPr>
+              <a:t>PS&gt; git status</a:t>
+            </a:r>
+          </a:p>
+          <a:p>
+            <a:pPr marL="0" indent="0">
+              <a:buNone/>
+            </a:pPr>
+            <a:r>
+              <a:rPr lang="en-US" sz="1400" dirty="0">
+                <a:latin typeface="Cascadia Mono" pitchFamily="50" charset="0"/>
+                <a:cs typeface="Cascadia Mono" pitchFamily="50" charset="0"/>
+              </a:rPr>
+              <a:t>PS&gt; git add –A</a:t>
+            </a:r>
+          </a:p>
+          <a:p>
+            <a:pPr marL="0" indent="0">
+              <a:buNone/>
+            </a:pPr>
+            <a:r>
+              <a:rPr lang="en-US" sz="1400" dirty="0">
+                <a:latin typeface="Cascadia Mono" pitchFamily="50" charset="0"/>
+                <a:cs typeface="Cascadia Mono" pitchFamily="50" charset="0"/>
+              </a:rPr>
+              <a:t>PS&gt; git commit –m “add vote result”</a:t>
+            </a:r>
+          </a:p>
+          <a:p>
+            <a:pPr marL="0" indent="0">
+              <a:buNone/>
+            </a:pPr>
+            <a:r>
+              <a:rPr lang="en-US" sz="1400" dirty="0">
+                <a:latin typeface="Cascadia Mono" pitchFamily="50" charset="0"/>
+                <a:cs typeface="Cascadia Mono" pitchFamily="50" charset="0"/>
+              </a:rPr>
+              <a:t>PS&gt; git push origin main</a:t>
+            </a:r>
+          </a:p>
+        </p:txBody>
+      </p:sp>
+      <p:sp>
+        <p:nvSpPr>
+          <p:cNvPr id="7" name="Content Placeholder 2">
+            <a:extLst>
+              <a:ext uri="{FF2B5EF4-FFF2-40B4-BE49-F238E27FC236}">
+                <a16:creationId xmlns:a16="http://schemas.microsoft.com/office/drawing/2014/main" id="{3749AE27-894D-45C1-95D4-1DB1254A1618}"/>
+              </a:ext>
+            </a:extLst>
+          </p:cNvPr>
+          <p:cNvSpPr txBox="1">
+            <a:spLocks/>
+          </p:cNvSpPr>
+          <p:nvPr/>
+        </p:nvSpPr>
+        <p:spPr>
+          <a:xfrm>
+            <a:off x="1069848" y="4230915"/>
+            <a:ext cx="6386120" cy="891592"/>
+          </a:xfrm>
+          <a:prstGeom prst="rect">
+            <a:avLst/>
+          </a:prstGeom>
+        </p:spPr>
+        <p:txBody>
+          <a:bodyPr vert="horz" lIns="91440" tIns="45720" rIns="91440" bIns="45720" rtlCol="0">
+            <a:normAutofit/>
+          </a:bodyPr>
+          <a:lstStyle>
+            <a:lvl1pPr marL="182880" indent="-182880" algn="l" defTabSz="914400" rtl="0" eaLnBrk="1" latinLnBrk="0" hangingPunct="1">
+              <a:lnSpc>
+                <a:spcPct val="90000"/>
+              </a:lnSpc>
+              <a:spcBef>
+                <a:spcPts val="1200"/>
+              </a:spcBef>
+              <a:buClr>
+                <a:schemeClr val="accent1">
+                  <a:lumMod val="75000"/>
+                </a:schemeClr>
+              </a:buClr>
+              <a:buSzPct val="85000"/>
+              <a:buFont typeface="Wingdings" pitchFamily="2" charset="2"/>
+              <a:buChar char="§"/>
+              <a:defRPr sz="2000" kern="1200">
+                <a:solidFill>
+                  <a:schemeClr val="tx1"/>
+                </a:solidFill>
+                <a:latin typeface="+mn-lt"/>
+                <a:ea typeface="+mn-ea"/>
+                <a:cs typeface="+mn-cs"/>
+              </a:defRPr>
+            </a:lvl1pPr>
+            <a:lvl2pPr marL="457200" indent="-182880" algn="l" defTabSz="914400" rtl="0" eaLnBrk="1" latinLnBrk="0" hangingPunct="1">
+              <a:lnSpc>
+                <a:spcPct val="90000"/>
+              </a:lnSpc>
+              <a:spcBef>
+                <a:spcPts val="400"/>
+              </a:spcBef>
+              <a:spcAft>
+                <a:spcPts val="200"/>
+              </a:spcAft>
+              <a:buClr>
+                <a:schemeClr val="accent1">
+                  <a:lumMod val="75000"/>
+                </a:schemeClr>
+              </a:buClr>
+              <a:buSzPct val="85000"/>
+              <a:buFont typeface="Wingdings" pitchFamily="2" charset="2"/>
+              <a:buChar char="§"/>
+              <a:defRPr sz="1800" kern="1200">
+                <a:solidFill>
+                  <a:schemeClr val="tx1"/>
+                </a:solidFill>
+                <a:latin typeface="+mn-lt"/>
+                <a:ea typeface="+mn-ea"/>
+                <a:cs typeface="+mn-cs"/>
+              </a:defRPr>
+            </a:lvl2pPr>
+            <a:lvl3pPr marL="731520" indent="-182880" algn="l" defTabSz="914400" rtl="0" eaLnBrk="1" latinLnBrk="0" hangingPunct="1">
+              <a:lnSpc>
+                <a:spcPct val="90000"/>
+              </a:lnSpc>
+              <a:spcBef>
+                <a:spcPts val="400"/>
+              </a:spcBef>
+              <a:spcAft>
+                <a:spcPts val="200"/>
+              </a:spcAft>
+              <a:buClr>
+                <a:schemeClr val="accent1">
+                  <a:lumMod val="75000"/>
+                </a:schemeClr>
+              </a:buClr>
+              <a:buSzPct val="85000"/>
+              <a:buFont typeface="Wingdings" pitchFamily="2" charset="2"/>
+              <a:buChar char="§"/>
+              <a:defRPr sz="1600" kern="1200">
+                <a:solidFill>
+                  <a:schemeClr val="tx1"/>
+                </a:solidFill>
+                <a:latin typeface="+mn-lt"/>
+                <a:ea typeface="+mn-ea"/>
+                <a:cs typeface="+mn-cs"/>
+              </a:defRPr>
+            </a:lvl3pPr>
+            <a:lvl4pPr marL="1005840" indent="-182880" algn="l" defTabSz="914400" rtl="0" eaLnBrk="1" latinLnBrk="0" hangingPunct="1">
+              <a:lnSpc>
+                <a:spcPct val="90000"/>
+              </a:lnSpc>
+              <a:spcBef>
+                <a:spcPts val="400"/>
+              </a:spcBef>
+              <a:spcAft>
+                <a:spcPts val="200"/>
+              </a:spcAft>
+              <a:buClr>
+                <a:schemeClr val="accent1">
+                  <a:lumMod val="75000"/>
+                </a:schemeClr>
+              </a:buClr>
+              <a:buSzPct val="85000"/>
+              <a:buFont typeface="Wingdings" pitchFamily="2" charset="2"/>
+              <a:buChar char="§"/>
+              <a:defRPr sz="1600" kern="1200">
+                <a:solidFill>
+                  <a:schemeClr val="tx1"/>
+                </a:solidFill>
+                <a:latin typeface="+mn-lt"/>
+                <a:ea typeface="+mn-ea"/>
+                <a:cs typeface="+mn-cs"/>
+              </a:defRPr>
+            </a:lvl4pPr>
+            <a:lvl5pPr marL="1280160" indent="-182880" algn="l" defTabSz="914400" rtl="0" eaLnBrk="1" latinLnBrk="0" hangingPunct="1">
+              <a:lnSpc>
+                <a:spcPct val="90000"/>
+              </a:lnSpc>
+              <a:spcBef>
+                <a:spcPts val="400"/>
+              </a:spcBef>
+              <a:spcAft>
+                <a:spcPts val="200"/>
+              </a:spcAft>
+              <a:buClr>
+                <a:schemeClr val="accent1">
+                  <a:lumMod val="75000"/>
+                </a:schemeClr>
+              </a:buClr>
+              <a:buSzPct val="85000"/>
+              <a:buFont typeface="Wingdings" pitchFamily="2" charset="2"/>
+              <a:buChar char="§"/>
+              <a:defRPr sz="1600" kern="1200">
+                <a:solidFill>
+                  <a:schemeClr val="tx1"/>
+                </a:solidFill>
+                <a:latin typeface="+mn-lt"/>
+                <a:ea typeface="+mn-ea"/>
+                <a:cs typeface="+mn-cs"/>
+              </a:defRPr>
+            </a:lvl5pPr>
+            <a:lvl6pPr marL="1600000" indent="-228600" algn="l" defTabSz="914400" rtl="0" eaLnBrk="1" latinLnBrk="0" hangingPunct="1">
+              <a:lnSpc>
+                <a:spcPct val="90000"/>
+              </a:lnSpc>
+              <a:spcBef>
+                <a:spcPts val="400"/>
+              </a:spcBef>
+              <a:spcAft>
+                <a:spcPts val="200"/>
+              </a:spcAft>
+              <a:buClr>
+                <a:schemeClr val="accent1">
+                  <a:lumMod val="75000"/>
+                </a:schemeClr>
+              </a:buClr>
+              <a:buSzPct val="85000"/>
+              <a:buFont typeface="Wingdings" pitchFamily="2" charset="2"/>
+              <a:buChar char="§"/>
+              <a:defRPr sz="1600" kern="1200">
+                <a:solidFill>
+                  <a:schemeClr val="tx1"/>
+                </a:solidFill>
+                <a:latin typeface="+mn-lt"/>
+                <a:ea typeface="+mn-ea"/>
+                <a:cs typeface="+mn-cs"/>
+              </a:defRPr>
+            </a:lvl6pPr>
+            <a:lvl7pPr marL="1900000" indent="-228600" algn="l" defTabSz="914400" rtl="0" eaLnBrk="1" latinLnBrk="0" hangingPunct="1">
+              <a:lnSpc>
+                <a:spcPct val="90000"/>
+              </a:lnSpc>
+              <a:spcBef>
+                <a:spcPts val="400"/>
+              </a:spcBef>
+              <a:spcAft>
+                <a:spcPts val="200"/>
+              </a:spcAft>
+              <a:buClr>
+                <a:schemeClr val="accent1">
+                  <a:lumMod val="75000"/>
+                </a:schemeClr>
+              </a:buClr>
+              <a:buSzPct val="85000"/>
+              <a:buFont typeface="Wingdings" pitchFamily="2" charset="2"/>
+              <a:buChar char="§"/>
+              <a:defRPr sz="1600" kern="1200">
+                <a:solidFill>
+                  <a:schemeClr val="tx1"/>
+                </a:solidFill>
+                <a:latin typeface="+mn-lt"/>
+                <a:ea typeface="+mn-ea"/>
+                <a:cs typeface="+mn-cs"/>
+              </a:defRPr>
+            </a:lvl7pPr>
+            <a:lvl8pPr marL="2200000" indent="-228600" algn="l" defTabSz="914400" rtl="0" eaLnBrk="1" latinLnBrk="0" hangingPunct="1">
+              <a:lnSpc>
+                <a:spcPct val="90000"/>
+              </a:lnSpc>
+              <a:spcBef>
+                <a:spcPts val="400"/>
+              </a:spcBef>
+              <a:spcAft>
+                <a:spcPts val="200"/>
+              </a:spcAft>
+              <a:buClr>
+                <a:schemeClr val="accent1">
+                  <a:lumMod val="75000"/>
+                </a:schemeClr>
+              </a:buClr>
+              <a:buSzPct val="85000"/>
+              <a:buFont typeface="Wingdings" pitchFamily="2" charset="2"/>
+              <a:buChar char="§"/>
+              <a:defRPr sz="1600" kern="1200">
+                <a:solidFill>
+                  <a:schemeClr val="tx1"/>
+                </a:solidFill>
+                <a:latin typeface="+mn-lt"/>
+                <a:ea typeface="+mn-ea"/>
+                <a:cs typeface="+mn-cs"/>
+              </a:defRPr>
+            </a:lvl8pPr>
+            <a:lvl9pPr marL="2500000" indent="-228600" algn="l" defTabSz="914400" rtl="0" eaLnBrk="1" latinLnBrk="0" hangingPunct="1">
+              <a:lnSpc>
+                <a:spcPct val="90000"/>
+              </a:lnSpc>
+              <a:spcBef>
+                <a:spcPts val="400"/>
+              </a:spcBef>
+              <a:spcAft>
+                <a:spcPts val="200"/>
+              </a:spcAft>
+              <a:buClr>
+                <a:schemeClr val="accent1">
+                  <a:lumMod val="75000"/>
+                </a:schemeClr>
+              </a:buClr>
+              <a:buSzPct val="85000"/>
+              <a:buFont typeface="Wingdings" pitchFamily="2" charset="2"/>
+              <a:buChar char="§"/>
+              <a:defRPr sz="1600" kern="1200">
+                <a:solidFill>
+                  <a:schemeClr val="tx1"/>
+                </a:solidFill>
+                <a:latin typeface="+mn-lt"/>
+                <a:ea typeface="+mn-ea"/>
+                <a:cs typeface="+mn-cs"/>
+              </a:defRPr>
+            </a:lvl9pPr>
+          </a:lstStyle>
+          <a:p>
+            <a:pPr marL="0" indent="0">
+              <a:buNone/>
+            </a:pPr>
+            <a:r>
+              <a:rPr lang="en-US" sz="1400" dirty="0">
+                <a:latin typeface="Cascadia Mono" pitchFamily="50" charset="0"/>
+                <a:cs typeface="Cascadia Mono" pitchFamily="50" charset="0"/>
+              </a:rPr>
+              <a:t>PS&gt; </a:t>
+            </a:r>
+            <a:r>
+              <a:rPr lang="en-MY" sz="1400" dirty="0">
+                <a:latin typeface="Cascadia Mono" pitchFamily="50" charset="0"/>
+                <a:cs typeface="Cascadia Mono" pitchFamily="50" charset="0"/>
+              </a:rPr>
+              <a:t>git push </a:t>
+            </a:r>
+            <a:r>
+              <a:rPr lang="en-MY" sz="1400" dirty="0" err="1">
+                <a:latin typeface="Cascadia Mono" pitchFamily="50" charset="0"/>
+                <a:cs typeface="Cascadia Mono" pitchFamily="50" charset="0"/>
+              </a:rPr>
+              <a:t>heroku</a:t>
+            </a:r>
+            <a:r>
+              <a:rPr lang="en-MY" sz="1400" dirty="0">
+                <a:latin typeface="Cascadia Mono" pitchFamily="50" charset="0"/>
+                <a:cs typeface="Cascadia Mono" pitchFamily="50" charset="0"/>
+              </a:rPr>
+              <a:t> main</a:t>
+            </a:r>
+          </a:p>
+          <a:p>
+            <a:pPr marL="0" indent="0">
+              <a:buNone/>
+            </a:pPr>
+            <a:r>
+              <a:rPr lang="en-US" sz="1400" dirty="0">
+                <a:latin typeface="Cascadia Mono" pitchFamily="50" charset="0"/>
+                <a:cs typeface="Cascadia Mono" pitchFamily="50" charset="0"/>
+              </a:rPr>
+              <a:t>PS&gt; </a:t>
+            </a:r>
+            <a:r>
+              <a:rPr lang="en-US" sz="1400" dirty="0" err="1">
+                <a:latin typeface="Cascadia Mono" pitchFamily="50" charset="0"/>
+                <a:cs typeface="Cascadia Mono" pitchFamily="50" charset="0"/>
+              </a:rPr>
+              <a:t>heroku</a:t>
+            </a:r>
+            <a:r>
+              <a:rPr lang="en-US" sz="1400" dirty="0">
+                <a:latin typeface="Cascadia Mono" pitchFamily="50" charset="0"/>
+                <a:cs typeface="Cascadia Mono" pitchFamily="50" charset="0"/>
+              </a:rPr>
+              <a:t> </a:t>
+            </a:r>
+            <a:r>
+              <a:rPr lang="en-US" sz="1400" dirty="0" err="1">
+                <a:latin typeface="Cascadia Mono" pitchFamily="50" charset="0"/>
+                <a:cs typeface="Cascadia Mono" pitchFamily="50" charset="0"/>
+              </a:rPr>
+              <a:t>ps:scale</a:t>
+            </a:r>
+            <a:r>
+              <a:rPr lang="en-US" sz="1400" dirty="0">
+                <a:latin typeface="Cascadia Mono" pitchFamily="50" charset="0"/>
+                <a:cs typeface="Cascadia Mono" pitchFamily="50" charset="0"/>
+              </a:rPr>
+              <a:t> web=1</a:t>
+            </a:r>
+          </a:p>
+        </p:txBody>
+      </p:sp>
+    </p:spTree>
+    <p:extLst>
+      <p:ext uri="{BB962C8B-B14F-4D97-AF65-F5344CB8AC3E}">
+        <p14:creationId xmlns:p14="http://schemas.microsoft.com/office/powerpoint/2010/main" val="3534041513"/>
+      </p:ext>
+    </p:extLst>
+  </p:cSld>
+  <p:clrMapOvr>
+    <a:masterClrMapping/>
+  </p:clrMapOvr>
+</p:sld>
+</file>
+
 <file path=ppt/slides/slide3.xml><?xml version="1.0" encoding="utf-8"?>
 <p:sld xmlns:a="http://schemas.openxmlformats.org/drawingml/2006/main" xmlns:r="http://schemas.openxmlformats.org/officeDocument/2006/relationships" xmlns:p="http://schemas.openxmlformats.org/presentationml/2006/main">
   <p:cSld>
@@ -12176,7 +15063,7 @@
           <p:cNvPr id="3" name="Picture 2">
             <a:extLst>
               <a:ext uri="{FF2B5EF4-FFF2-40B4-BE49-F238E27FC236}">
-                <a16:creationId xmlns:a16="http://schemas.microsoft.com/office/drawing/2014/main" id="{7F16AA20-EC19-4AD2-824A-20DDB8E5F83D}"/>
+                <a16:creationId xmlns:a16="http://schemas.microsoft.com/office/drawing/2014/main" id="{0333CB10-1ABA-4B61-8AD8-1B6CC4176806}"/>
               </a:ext>
             </a:extLst>
           </p:cNvPr>
@@ -12186,14 +15073,14 @@
           <p:nvPr/>
         </p:nvPicPr>
         <p:blipFill rotWithShape="1">
-          <a:blip r:embed="rId2"/>
-          <a:srcRect l="4728"/>
+          <a:blip r:embed="rId3"/>
+          <a:srcRect l="4587"/>
           <a:stretch/>
         </p:blipFill>
         <p:spPr>
           <a:xfrm>
-            <a:off x="190183" y="419489"/>
-            <a:ext cx="7551178" cy="6115904"/>
+            <a:off x="443345" y="0"/>
+            <a:ext cx="7002598" cy="6858000"/>
           </a:xfrm>
           <a:prstGeom prst="rect">
             <a:avLst/>
@@ -12216,7 +15103,7 @@
         </p:nvSpPr>
         <p:spPr>
           <a:xfrm>
-            <a:off x="8610599" y="1123950"/>
+            <a:off x="8564419" y="1123950"/>
             <a:ext cx="3324225" cy="4051732"/>
           </a:xfrm>
           <a:prstGeom prst="rect">
@@ -12515,8 +15402,8 @@
         </p:nvSpPr>
         <p:spPr>
           <a:xfrm>
-            <a:off x="597228" y="1490358"/>
-            <a:ext cx="7476643" cy="313936"/>
+            <a:off x="528538" y="1123950"/>
+            <a:ext cx="6851317" cy="230909"/>
           </a:xfrm>
           <a:prstGeom prst="rect">
             <a:avLst/>
@@ -12562,8 +15449,8 @@
         </p:nvSpPr>
         <p:spPr>
           <a:xfrm>
-            <a:off x="190183" y="419489"/>
-            <a:ext cx="2038667" cy="313936"/>
+            <a:off x="106680" y="0"/>
+            <a:ext cx="2038667" cy="230909"/>
           </a:xfrm>
           <a:prstGeom prst="rect">
             <a:avLst/>
@@ -12609,8 +15496,8 @@
         </p:nvSpPr>
         <p:spPr>
           <a:xfrm>
-            <a:off x="783659" y="2575580"/>
-            <a:ext cx="2119340" cy="523394"/>
+            <a:off x="1199294" y="2087417"/>
+            <a:ext cx="2153505" cy="822037"/>
           </a:xfrm>
           <a:prstGeom prst="rect">
             <a:avLst/>
@@ -12718,7 +15605,7 @@
         </p:nvSpPr>
         <p:spPr>
           <a:xfrm>
-            <a:off x="8372475" y="1123950"/>
+            <a:off x="8437127" y="1123950"/>
             <a:ext cx="3562350" cy="2886075"/>
           </a:xfrm>
           <a:prstGeom prst="rect">
@@ -13947,8 +16834,19 @@
                 <a:latin typeface="Cascadia Mono" pitchFamily="50" charset="0"/>
                 <a:cs typeface="Cascadia Mono" pitchFamily="50" charset="0"/>
               </a:rPr>
-              <a:t>PS&gt; cd 2myprj</a:t>
-            </a:r>
+              <a:t>PS&gt; cd </a:t>
+            </a:r>
+            <a:r>
+              <a:rPr lang="en-US" sz="1400" dirty="0" err="1">
+                <a:latin typeface="Cascadia Mono" pitchFamily="50" charset="0"/>
+                <a:cs typeface="Cascadia Mono" pitchFamily="50" charset="0"/>
+              </a:rPr>
+              <a:t>QuestionPrj</a:t>
+            </a:r>
+            <a:endParaRPr lang="en-US" sz="1400" dirty="0">
+              <a:latin typeface="Cascadia Mono" pitchFamily="50" charset="0"/>
+              <a:cs typeface="Cascadia Mono" pitchFamily="50" charset="0"/>
+            </a:endParaRPr>
           </a:p>
           <a:p>
             <a:pPr marL="0" indent="0">
@@ -14278,42 +17176,14 @@
                 <a:latin typeface="Cascadia Mono" pitchFamily="50" charset="0"/>
                 <a:cs typeface="Cascadia Mono" pitchFamily="50" charset="0"/>
               </a:rPr>
-              <a:t>PS</a:t>
-            </a:r>
-            <a:r>
-              <a:rPr lang="en-US" sz="1400">
-                <a:latin typeface="Cascadia Mono" pitchFamily="50" charset="0"/>
-                <a:cs typeface="Cascadia Mono" pitchFamily="50" charset="0"/>
-              </a:rPr>
-              <a:t>&gt; </a:t>
-            </a:r>
-            <a:r>
-              <a:rPr lang="en-MY" sz="1400">
-                <a:latin typeface="Cascadia Mono" pitchFamily="50" charset="0"/>
-                <a:cs typeface="Cascadia Mono" pitchFamily="50" charset="0"/>
-              </a:rPr>
-              <a:t>git </a:t>
+              <a:t>PS&gt; </a:t>
             </a:r>
             <a:r>
               <a:rPr lang="en-MY" sz="1400" dirty="0">
                 <a:latin typeface="Cascadia Mono" pitchFamily="50" charset="0"/>
                 <a:cs typeface="Cascadia Mono" pitchFamily="50" charset="0"/>
               </a:rPr>
-              <a:t>subtree push --prefix </a:t>
-            </a:r>
-            <a:r>
-              <a:rPr lang="en-MY" sz="1400" dirty="0" err="1">
-                <a:latin typeface="Cascadia Mono" pitchFamily="50" charset="0"/>
-                <a:cs typeface="Cascadia Mono" pitchFamily="50" charset="0"/>
-              </a:rPr>
-              <a:t>QuestionPrj</a:t>
-            </a:r>
-            <a:r>
-              <a:rPr lang="en-MY" sz="1400" dirty="0">
-                <a:latin typeface="Cascadia Mono" pitchFamily="50" charset="0"/>
-                <a:cs typeface="Cascadia Mono" pitchFamily="50" charset="0"/>
-              </a:rPr>
-              <a:t> </a:t>
+              <a:t>git push </a:t>
             </a:r>
             <a:r>
               <a:rPr lang="en-MY" sz="1400" dirty="0" err="1">
@@ -14729,4 +17599,299 @@
     </a:ext>
   </a:extLst>
 </a:theme>
+</file>
+
+<file path=ppt/theme/theme2.xml><?xml version="1.0" encoding="utf-8"?>
+<a:theme xmlns:a="http://schemas.openxmlformats.org/drawingml/2006/main" name="Office Theme">
+  <a:themeElements>
+    <a:clrScheme name="Office">
+      <a:dk1>
+        <a:sysClr val="windowText" lastClr="000000"/>
+      </a:dk1>
+      <a:lt1>
+        <a:sysClr val="window" lastClr="FFFFFF"/>
+      </a:lt1>
+      <a:dk2>
+        <a:srgbClr val="44546A"/>
+      </a:dk2>
+      <a:lt2>
+        <a:srgbClr val="E7E6E6"/>
+      </a:lt2>
+      <a:accent1>
+        <a:srgbClr val="4472C4"/>
+      </a:accent1>
+      <a:accent2>
+        <a:srgbClr val="ED7D31"/>
+      </a:accent2>
+      <a:accent3>
+        <a:srgbClr val="A5A5A5"/>
+      </a:accent3>
+      <a:accent4>
+        <a:srgbClr val="FFC000"/>
+      </a:accent4>
+      <a:accent5>
+        <a:srgbClr val="5B9BD5"/>
+      </a:accent5>
+      <a:accent6>
+        <a:srgbClr val="70AD47"/>
+      </a:accent6>
+      <a:hlink>
+        <a:srgbClr val="0563C1"/>
+      </a:hlink>
+      <a:folHlink>
+        <a:srgbClr val="954F72"/>
+      </a:folHlink>
+    </a:clrScheme>
+    <a:fontScheme name="Office">
+      <a:majorFont>
+        <a:latin typeface="Calibri Light" panose="020F0302020204030204"/>
+        <a:ea typeface=""/>
+        <a:cs typeface=""/>
+        <a:font script="Jpan" typeface="游ゴシック Light"/>
+        <a:font script="Hang" typeface="맑은 고딕"/>
+        <a:font script="Hans" typeface="等线 Light"/>
+        <a:font script="Hant" typeface="新細明體"/>
+        <a:font script="Arab" typeface="Times New Roman"/>
+        <a:font script="Hebr" typeface="Times New Roman"/>
+        <a:font script="Thai" typeface="Angsana New"/>
+        <a:font script="Ethi" typeface="Nyala"/>
+        <a:font script="Beng" typeface="Vrinda"/>
+        <a:font script="Gujr" typeface="Shruti"/>
+        <a:font script="Khmr" typeface="MoolBoran"/>
+        <a:font script="Knda" typeface="Tunga"/>
+        <a:font script="Guru" typeface="Raavi"/>
+        <a:font script="Cans" typeface="Euphemia"/>
+        <a:font script="Cher" typeface="Plantagenet Cherokee"/>
+        <a:font script="Yiii" typeface="Microsoft Yi Baiti"/>
+        <a:font script="Tibt" typeface="Microsoft Himalaya"/>
+        <a:font script="Thaa" typeface="MV Boli"/>
+        <a:font script="Deva" typeface="Mangal"/>
+        <a:font script="Telu" typeface="Gautami"/>
+        <a:font script="Taml" typeface="Latha"/>
+        <a:font script="Syrc" typeface="Estrangelo Edessa"/>
+        <a:font script="Orya" typeface="Kalinga"/>
+        <a:font script="Mlym" typeface="Kartika"/>
+        <a:font script="Laoo" typeface="DokChampa"/>
+        <a:font script="Sinh" typeface="Iskoola Pota"/>
+        <a:font script="Mong" typeface="Mongolian Baiti"/>
+        <a:font script="Viet" typeface="Times New Roman"/>
+        <a:font script="Uigh" typeface="Microsoft Uighur"/>
+        <a:font script="Geor" typeface="Sylfaen"/>
+        <a:font script="Armn" typeface="Arial"/>
+        <a:font script="Bugi" typeface="Leelawadee UI"/>
+        <a:font script="Bopo" typeface="Microsoft JhengHei"/>
+        <a:font script="Java" typeface="Javanese Text"/>
+        <a:font script="Lisu" typeface="Segoe UI"/>
+        <a:font script="Mymr" typeface="Myanmar Text"/>
+        <a:font script="Nkoo" typeface="Ebrima"/>
+        <a:font script="Olck" typeface="Nirmala UI"/>
+        <a:font script="Osma" typeface="Ebrima"/>
+        <a:font script="Phag" typeface="Phagspa"/>
+        <a:font script="Syrn" typeface="Estrangelo Edessa"/>
+        <a:font script="Syrj" typeface="Estrangelo Edessa"/>
+        <a:font script="Syre" typeface="Estrangelo Edessa"/>
+        <a:font script="Sora" typeface="Nirmala UI"/>
+        <a:font script="Tale" typeface="Microsoft Tai Le"/>
+        <a:font script="Talu" typeface="Microsoft New Tai Lue"/>
+        <a:font script="Tfng" typeface="Ebrima"/>
+      </a:majorFont>
+      <a:minorFont>
+        <a:latin typeface="Calibri" panose="020F0502020204030204"/>
+        <a:ea typeface=""/>
+        <a:cs typeface=""/>
+        <a:font script="Jpan" typeface="游ゴシック"/>
+        <a:font script="Hang" typeface="맑은 고딕"/>
+        <a:font script="Hans" typeface="等线"/>
+        <a:font script="Hant" typeface="新細明體"/>
+        <a:font script="Arab" typeface="Arial"/>
+        <a:font script="Hebr" typeface="Arial"/>
+        <a:font script="Thai" typeface="Cordia New"/>
+        <a:font script="Ethi" typeface="Nyala"/>
+        <a:font script="Beng" typeface="Vrinda"/>
+        <a:font script="Gujr" typeface="Shruti"/>
+        <a:font script="Khmr" typeface="DaunPenh"/>
+        <a:font script="Knda" typeface="Tunga"/>
+        <a:font script="Guru" typeface="Raavi"/>
+        <a:font script="Cans" typeface="Euphemia"/>
+        <a:font script="Cher" typeface="Plantagenet Cherokee"/>
+        <a:font script="Yiii" typeface="Microsoft Yi Baiti"/>
+        <a:font script="Tibt" typeface="Microsoft Himalaya"/>
+        <a:font script="Thaa" typeface="MV Boli"/>
+        <a:font script="Deva" typeface="Mangal"/>
+        <a:font script="Telu" typeface="Gautami"/>
+        <a:font script="Taml" typeface="Latha"/>
+        <a:font script="Syrc" typeface="Estrangelo Edessa"/>
+        <a:font script="Orya" typeface="Kalinga"/>
+        <a:font script="Mlym" typeface="Kartika"/>
+        <a:font script="Laoo" typeface="DokChampa"/>
+        <a:font script="Sinh" typeface="Iskoola Pota"/>
+        <a:font script="Mong" typeface="Mongolian Baiti"/>
+        <a:font script="Viet" typeface="Arial"/>
+        <a:font script="Uigh" typeface="Microsoft Uighur"/>
+        <a:font script="Geor" typeface="Sylfaen"/>
+        <a:font script="Armn" typeface="Arial"/>
+        <a:font script="Bugi" typeface="Leelawadee UI"/>
+        <a:font script="Bopo" typeface="Microsoft JhengHei"/>
+        <a:font script="Java" typeface="Javanese Text"/>
+        <a:font script="Lisu" typeface="Segoe UI"/>
+        <a:font script="Mymr" typeface="Myanmar Text"/>
+        <a:font script="Nkoo" typeface="Ebrima"/>
+        <a:font script="Olck" typeface="Nirmala UI"/>
+        <a:font script="Osma" typeface="Ebrima"/>
+        <a:font script="Phag" typeface="Phagspa"/>
+        <a:font script="Syrn" typeface="Estrangelo Edessa"/>
+        <a:font script="Syrj" typeface="Estrangelo Edessa"/>
+        <a:font script="Syre" typeface="Estrangelo Edessa"/>
+        <a:font script="Sora" typeface="Nirmala UI"/>
+        <a:font script="Tale" typeface="Microsoft Tai Le"/>
+        <a:font script="Talu" typeface="Microsoft New Tai Lue"/>
+        <a:font script="Tfng" typeface="Ebrima"/>
+      </a:minorFont>
+    </a:fontScheme>
+    <a:fmtScheme name="Office">
+      <a:fillStyleLst>
+        <a:solidFill>
+          <a:schemeClr val="phClr"/>
+        </a:solidFill>
+        <a:gradFill rotWithShape="1">
+          <a:gsLst>
+            <a:gs pos="0">
+              <a:schemeClr val="phClr">
+                <a:lumMod val="110000"/>
+                <a:satMod val="105000"/>
+                <a:tint val="67000"/>
+              </a:schemeClr>
+            </a:gs>
+            <a:gs pos="50000">
+              <a:schemeClr val="phClr">
+                <a:lumMod val="105000"/>
+                <a:satMod val="103000"/>
+                <a:tint val="73000"/>
+              </a:schemeClr>
+            </a:gs>
+            <a:gs pos="100000">
+              <a:schemeClr val="phClr">
+                <a:lumMod val="105000"/>
+                <a:satMod val="109000"/>
+                <a:tint val="81000"/>
+              </a:schemeClr>
+            </a:gs>
+          </a:gsLst>
+          <a:lin ang="5400000" scaled="0"/>
+        </a:gradFill>
+        <a:gradFill rotWithShape="1">
+          <a:gsLst>
+            <a:gs pos="0">
+              <a:schemeClr val="phClr">
+                <a:satMod val="103000"/>
+                <a:lumMod val="102000"/>
+                <a:tint val="94000"/>
+              </a:schemeClr>
+            </a:gs>
+            <a:gs pos="50000">
+              <a:schemeClr val="phClr">
+                <a:satMod val="110000"/>
+                <a:lumMod val="100000"/>
+                <a:shade val="100000"/>
+              </a:schemeClr>
+            </a:gs>
+            <a:gs pos="100000">
+              <a:schemeClr val="phClr">
+                <a:lumMod val="99000"/>
+                <a:satMod val="120000"/>
+                <a:shade val="78000"/>
+              </a:schemeClr>
+            </a:gs>
+          </a:gsLst>
+          <a:lin ang="5400000" scaled="0"/>
+        </a:gradFill>
+      </a:fillStyleLst>
+      <a:lnStyleLst>
+        <a:ln w="6350" cap="flat" cmpd="sng" algn="ctr">
+          <a:solidFill>
+            <a:schemeClr val="phClr"/>
+          </a:solidFill>
+          <a:prstDash val="solid"/>
+          <a:miter lim="800000"/>
+        </a:ln>
+        <a:ln w="12700" cap="flat" cmpd="sng" algn="ctr">
+          <a:solidFill>
+            <a:schemeClr val="phClr"/>
+          </a:solidFill>
+          <a:prstDash val="solid"/>
+          <a:miter lim="800000"/>
+        </a:ln>
+        <a:ln w="19050" cap="flat" cmpd="sng" algn="ctr">
+          <a:solidFill>
+            <a:schemeClr val="phClr"/>
+          </a:solidFill>
+          <a:prstDash val="solid"/>
+          <a:miter lim="800000"/>
+        </a:ln>
+      </a:lnStyleLst>
+      <a:effectStyleLst>
+        <a:effectStyle>
+          <a:effectLst/>
+        </a:effectStyle>
+        <a:effectStyle>
+          <a:effectLst/>
+        </a:effectStyle>
+        <a:effectStyle>
+          <a:effectLst>
+            <a:outerShdw blurRad="57150" dist="19050" dir="5400000" algn="ctr" rotWithShape="0">
+              <a:srgbClr val="000000">
+                <a:alpha val="63000"/>
+              </a:srgbClr>
+            </a:outerShdw>
+          </a:effectLst>
+        </a:effectStyle>
+      </a:effectStyleLst>
+      <a:bgFillStyleLst>
+        <a:solidFill>
+          <a:schemeClr val="phClr"/>
+        </a:solidFill>
+        <a:solidFill>
+          <a:schemeClr val="phClr">
+            <a:tint val="95000"/>
+            <a:satMod val="170000"/>
+          </a:schemeClr>
+        </a:solidFill>
+        <a:gradFill rotWithShape="1">
+          <a:gsLst>
+            <a:gs pos="0">
+              <a:schemeClr val="phClr">
+                <a:tint val="93000"/>
+                <a:satMod val="150000"/>
+                <a:shade val="98000"/>
+                <a:lumMod val="102000"/>
+              </a:schemeClr>
+            </a:gs>
+            <a:gs pos="50000">
+              <a:schemeClr val="phClr">
+                <a:tint val="98000"/>
+                <a:satMod val="130000"/>
+                <a:shade val="90000"/>
+                <a:lumMod val="103000"/>
+              </a:schemeClr>
+            </a:gs>
+            <a:gs pos="100000">
+              <a:schemeClr val="phClr">
+                <a:shade val="63000"/>
+                <a:satMod val="120000"/>
+              </a:schemeClr>
+            </a:gs>
+          </a:gsLst>
+          <a:lin ang="5400000" scaled="0"/>
+        </a:gradFill>
+      </a:bgFillStyleLst>
+    </a:fmtScheme>
+  </a:themeElements>
+  <a:objectDefaults/>
+  <a:extraClrSchemeLst/>
+  <a:extLst>
+    <a:ext uri="{05A4C25C-085E-4340-85A3-A5531E510DB2}">
+      <thm15:themeFamily xmlns:thm15="http://schemas.microsoft.com/office/thememl/2012/main" name="Office Theme" id="{62F939B6-93AF-4DB8-9C6B-D6C7DFDC589F}" vid="{4A3C46E8-61CC-4603-A589-7422A47A8E4A}"/>
+    </a:ext>
+  </a:extLst>
+</a:theme>
 </file>
--- a/Py Web Unit2b.pptx
+++ b/Py Web Unit2b.pptx
@@ -151,7 +151,7 @@
   <pc:docChgLst>
     <pc:chgData name="Li Lixiang" userId="6104bbfcb56aea79" providerId="LiveId" clId="{D29ABEB4-BA84-4509-931E-F56BD309A88C}"/>
     <pc:docChg chg="undo custSel addSld delSld modSld">
-      <pc:chgData name="Li Lixiang" userId="6104bbfcb56aea79" providerId="LiveId" clId="{D29ABEB4-BA84-4509-931E-F56BD309A88C}" dt="2021-11-01T14:08:47.432" v="2547" actId="14100"/>
+      <pc:chgData name="Li Lixiang" userId="6104bbfcb56aea79" providerId="LiveId" clId="{D29ABEB4-BA84-4509-931E-F56BD309A88C}" dt="2021-12-02T13:08:48.669" v="2647" actId="14100"/>
       <pc:docMkLst>
         <pc:docMk/>
       </pc:docMkLst>
@@ -623,8 +623,8 @@
           </ac:spMkLst>
         </pc:spChg>
       </pc:sldChg>
-      <pc:sldChg chg="addSp modSp new mod">
-        <pc:chgData name="Li Lixiang" userId="6104bbfcb56aea79" providerId="LiveId" clId="{D29ABEB4-BA84-4509-931E-F56BD309A88C}" dt="2021-10-18T04:13:03.231" v="2230" actId="27636"/>
+      <pc:sldChg chg="addSp delSp modSp new mod">
+        <pc:chgData name="Li Lixiang" userId="6104bbfcb56aea79" providerId="LiveId" clId="{D29ABEB4-BA84-4509-931E-F56BD309A88C}" dt="2021-12-02T13:08:48.669" v="2647" actId="14100"/>
         <pc:sldMkLst>
           <pc:docMk/>
           <pc:sldMk cId="32353519" sldId="291"/>
@@ -638,7 +638,7 @@
           </ac:spMkLst>
         </pc:spChg>
         <pc:spChg chg="mod">
-          <ac:chgData name="Li Lixiang" userId="6104bbfcb56aea79" providerId="LiveId" clId="{D29ABEB4-BA84-4509-931E-F56BD309A88C}" dt="2021-09-02T12:08:34.937" v="910" actId="20577"/>
+          <ac:chgData name="Li Lixiang" userId="6104bbfcb56aea79" providerId="LiveId" clId="{D29ABEB4-BA84-4509-931E-F56BD309A88C}" dt="2021-12-02T13:08:48.669" v="2647" actId="14100"/>
           <ac:spMkLst>
             <pc:docMk/>
             <pc:sldMk cId="32353519" sldId="291"/>
@@ -646,15 +646,15 @@
           </ac:spMkLst>
         </pc:spChg>
         <pc:spChg chg="add mod">
-          <ac:chgData name="Li Lixiang" userId="6104bbfcb56aea79" providerId="LiveId" clId="{D29ABEB4-BA84-4509-931E-F56BD309A88C}" dt="2021-10-18T04:13:03.231" v="2230" actId="27636"/>
+          <ac:chgData name="Li Lixiang" userId="6104bbfcb56aea79" providerId="LiveId" clId="{D29ABEB4-BA84-4509-931E-F56BD309A88C}" dt="2021-12-02T13:08:37.943" v="2646" actId="1076"/>
           <ac:spMkLst>
             <pc:docMk/>
             <pc:sldMk cId="32353519" sldId="291"/>
             <ac:spMk id="4" creationId="{4305DEB4-0613-495A-A69D-CD256EFD9E82}"/>
           </ac:spMkLst>
         </pc:spChg>
-        <pc:spChg chg="add mod">
-          <ac:chgData name="Li Lixiang" userId="6104bbfcb56aea79" providerId="LiveId" clId="{D29ABEB4-BA84-4509-931E-F56BD309A88C}" dt="2021-10-18T04:12:46.541" v="2211" actId="6549"/>
+        <pc:spChg chg="add del mod">
+          <ac:chgData name="Li Lixiang" userId="6104bbfcb56aea79" providerId="LiveId" clId="{D29ABEB4-BA84-4509-931E-F56BD309A88C}" dt="2021-12-02T13:07:44.492" v="2548" actId="478"/>
           <ac:spMkLst>
             <pc:docMk/>
             <pc:sldMk cId="32353519" sldId="291"/>
@@ -4064,7 +4064,7 @@
           <a:p>
             <a:fld id="{F89C8A47-5BCC-4501-9B0F-CE724ECA9C86}" type="datetimeFigureOut">
               <a:rPr lang="en-MY" smtClean="0"/>
-              <a:t>1/11/2021</a:t>
+              <a:t>2/12/2021</a:t>
             </a:fld>
             <a:endParaRPr lang="en-MY"/>
           </a:p>
@@ -4821,7 +4821,7 @@
             <a:fld id="{A5B0A250-5CC0-1746-B209-08E8B0DAE6AF}" type="datetimeFigureOut">
               <a:rPr lang="en-US" smtClean="0"/>
               <a:pPr algn="l"/>
-              <a:t>11/1/2021</a:t>
+              <a:t>12/2/2021</a:t>
             </a:fld>
             <a:endParaRPr lang="en-US" dirty="0"/>
           </a:p>
@@ -5000,7 +5000,7 @@
           <a:p>
             <a:fld id="{A5B0A250-5CC0-1746-B209-08E8B0DAE6AF}" type="datetimeFigureOut">
               <a:rPr lang="en-US" smtClean="0"/>
-              <a:t>11/1/2021</a:t>
+              <a:t>12/2/2021</a:t>
             </a:fld>
             <a:endParaRPr lang="en-US" dirty="0"/>
           </a:p>
@@ -5180,7 +5180,7 @@
           <a:p>
             <a:fld id="{A5B0A250-5CC0-1746-B209-08E8B0DAE6AF}" type="datetimeFigureOut">
               <a:rPr lang="en-US" smtClean="0"/>
-              <a:t>11/1/2021</a:t>
+              <a:t>12/2/2021</a:t>
             </a:fld>
             <a:endParaRPr lang="en-US"/>
           </a:p>
@@ -5350,7 +5350,7 @@
           <a:p>
             <a:fld id="{A5B0A250-5CC0-1746-B209-08E8B0DAE6AF}" type="datetimeFigureOut">
               <a:rPr lang="en-US" smtClean="0"/>
-              <a:t>11/1/2021</a:t>
+              <a:t>12/2/2021</a:t>
             </a:fld>
             <a:endParaRPr lang="en-US" dirty="0"/>
           </a:p>
@@ -5663,7 +5663,7 @@
           <a:p>
             <a:fld id="{A5B0A250-5CC0-1746-B209-08E8B0DAE6AF}" type="datetimeFigureOut">
               <a:rPr lang="en-US" smtClean="0"/>
-              <a:t>11/1/2021</a:t>
+              <a:t>12/2/2021</a:t>
             </a:fld>
             <a:endParaRPr lang="en-US" dirty="0"/>
           </a:p>
@@ -6049,7 +6049,7 @@
           <a:p>
             <a:fld id="{A5B0A250-5CC0-1746-B209-08E8B0DAE6AF}" type="datetimeFigureOut">
               <a:rPr lang="en-US" smtClean="0"/>
-              <a:t>11/1/2021</a:t>
+              <a:t>12/2/2021</a:t>
             </a:fld>
             <a:endParaRPr lang="en-US" dirty="0"/>
           </a:p>
@@ -6483,7 +6483,7 @@
           <a:p>
             <a:fld id="{A5B0A250-5CC0-1746-B209-08E8B0DAE6AF}" type="datetimeFigureOut">
               <a:rPr lang="en-US" smtClean="0"/>
-              <a:t>11/1/2021</a:t>
+              <a:t>12/2/2021</a:t>
             </a:fld>
             <a:endParaRPr lang="en-US" dirty="0"/>
           </a:p>
@@ -6601,7 +6601,7 @@
           <a:p>
             <a:fld id="{A5B0A250-5CC0-1746-B209-08E8B0DAE6AF}" type="datetimeFigureOut">
               <a:rPr lang="en-US" smtClean="0"/>
-              <a:t>11/1/2021</a:t>
+              <a:t>12/2/2021</a:t>
             </a:fld>
             <a:endParaRPr lang="en-US" dirty="0"/>
           </a:p>
@@ -6697,7 +6697,7 @@
             <a:fld id="{A5B0A250-5CC0-1746-B209-08E8B0DAE6AF}" type="datetimeFigureOut">
               <a:rPr lang="en-US" smtClean="0"/>
               <a:pPr/>
-              <a:t>11/1/2021</a:t>
+              <a:t>12/2/2021</a:t>
             </a:fld>
             <a:endParaRPr lang="en-US" dirty="0"/>
           </a:p>
@@ -7048,7 +7048,7 @@
           <a:p>
             <a:fld id="{A5B0A250-5CC0-1746-B209-08E8B0DAE6AF}" type="datetimeFigureOut">
               <a:rPr lang="en-US" smtClean="0"/>
-              <a:t>11/1/2021</a:t>
+              <a:t>12/2/2021</a:t>
             </a:fld>
             <a:endParaRPr lang="en-US" dirty="0"/>
           </a:p>
@@ -7473,7 +7473,7 @@
           <a:p>
             <a:fld id="{A5B0A250-5CC0-1746-B209-08E8B0DAE6AF}" type="datetimeFigureOut">
               <a:rPr lang="en-US" smtClean="0"/>
-              <a:t>11/1/2021</a:t>
+              <a:t>12/2/2021</a:t>
             </a:fld>
             <a:endParaRPr lang="en-US" dirty="0"/>
           </a:p>
@@ -7755,7 +7755,7 @@
             <a:fld id="{A5B0A250-5CC0-1746-B209-08E8B0DAE6AF}" type="datetimeFigureOut">
               <a:rPr lang="en-US" smtClean="0"/>
               <a:pPr/>
-              <a:t>11/1/2021</a:t>
+              <a:t>12/2/2021</a:t>
             </a:fld>
             <a:endParaRPr lang="en-US" dirty="0"/>
           </a:p>
@@ -8912,30 +8912,19 @@
             <p:ph idx="1"/>
           </p:nvPr>
         </p:nvSpPr>
-        <p:spPr/>
+        <p:spPr>
+          <a:xfrm>
+            <a:off x="1069848" y="2121408"/>
+            <a:ext cx="10058400" cy="697992"/>
+          </a:xfrm>
+        </p:spPr>
         <p:txBody>
           <a:bodyPr/>
           <a:lstStyle/>
           <a:p>
             <a:r>
               <a:rPr lang="en-US" dirty="0"/>
-              <a:t>Use one shell to </a:t>
-            </a:r>
-            <a:r>
-              <a:rPr lang="en-US" dirty="0" err="1"/>
-              <a:t>runserver</a:t>
-            </a:r>
-            <a:r>
-              <a:rPr lang="en-US" dirty="0"/>
-              <a:t>, another shell to start </a:t>
-            </a:r>
-            <a:r>
-              <a:rPr lang="en-US" dirty="0" err="1"/>
-              <a:t>django</a:t>
-            </a:r>
-            <a:r>
-              <a:rPr lang="en-US" dirty="0"/>
-              <a:t> shell and run some test code</a:t>
+              <a:t>Use shell to start python interactive environment, and run some test code</a:t>
             </a:r>
             <a:endParaRPr lang="en-MY" dirty="0"/>
           </a:p>
@@ -8957,7 +8946,7 @@
         </p:nvSpPr>
         <p:spPr>
           <a:xfrm>
-            <a:off x="6096000" y="3448975"/>
+            <a:off x="2581275" y="3248950"/>
             <a:ext cx="3961009" cy="1609344"/>
           </a:xfrm>
           <a:prstGeom prst="rect">
@@ -9295,366 +9284,6 @@
                 <a:cs typeface="Cascadia Mono" pitchFamily="50" charset="0"/>
               </a:rPr>
               <a:t>&gt;&gt;&gt; </a:t>
-            </a:r>
-          </a:p>
-        </p:txBody>
-      </p:sp>
-      <p:sp>
-        <p:nvSpPr>
-          <p:cNvPr id="5" name="Content Placeholder 2">
-            <a:extLst>
-              <a:ext uri="{FF2B5EF4-FFF2-40B4-BE49-F238E27FC236}">
-                <a16:creationId xmlns:a16="http://schemas.microsoft.com/office/drawing/2014/main" id="{79034778-2F09-42B0-9FE2-BDE6CCE06C73}"/>
-              </a:ext>
-            </a:extLst>
-          </p:cNvPr>
-          <p:cNvSpPr txBox="1">
-            <a:spLocks/>
-          </p:cNvSpPr>
-          <p:nvPr/>
-        </p:nvSpPr>
-        <p:spPr>
-          <a:xfrm>
-            <a:off x="1063752" y="3429000"/>
-            <a:ext cx="3961009" cy="1609344"/>
-          </a:xfrm>
-          <a:prstGeom prst="rect">
-            <a:avLst/>
-          </a:prstGeom>
-        </p:spPr>
-        <p:txBody>
-          <a:bodyPr vert="horz" lIns="91440" tIns="45720" rIns="91440" bIns="45720" rtlCol="0">
-            <a:normAutofit/>
-          </a:bodyPr>
-          <a:lstStyle>
-            <a:lvl1pPr marL="182880" indent="-182880" algn="l" defTabSz="914400" rtl="0" eaLnBrk="1" latinLnBrk="0" hangingPunct="1">
-              <a:lnSpc>
-                <a:spcPct val="90000"/>
-              </a:lnSpc>
-              <a:spcBef>
-                <a:spcPts val="1200"/>
-              </a:spcBef>
-              <a:buClr>
-                <a:schemeClr val="accent1">
-                  <a:lumMod val="75000"/>
-                </a:schemeClr>
-              </a:buClr>
-              <a:buSzPct val="85000"/>
-              <a:buFont typeface="Wingdings" pitchFamily="2" charset="2"/>
-              <a:buChar char="§"/>
-              <a:defRPr sz="2000" kern="1200">
-                <a:solidFill>
-                  <a:schemeClr val="tx1"/>
-                </a:solidFill>
-                <a:latin typeface="+mn-lt"/>
-                <a:ea typeface="+mn-ea"/>
-                <a:cs typeface="+mn-cs"/>
-              </a:defRPr>
-            </a:lvl1pPr>
-            <a:lvl2pPr marL="457200" indent="-182880" algn="l" defTabSz="914400" rtl="0" eaLnBrk="1" latinLnBrk="0" hangingPunct="1">
-              <a:lnSpc>
-                <a:spcPct val="90000"/>
-              </a:lnSpc>
-              <a:spcBef>
-                <a:spcPts val="400"/>
-              </a:spcBef>
-              <a:spcAft>
-                <a:spcPts val="200"/>
-              </a:spcAft>
-              <a:buClr>
-                <a:schemeClr val="accent1">
-                  <a:lumMod val="75000"/>
-                </a:schemeClr>
-              </a:buClr>
-              <a:buSzPct val="85000"/>
-              <a:buFont typeface="Wingdings" pitchFamily="2" charset="2"/>
-              <a:buChar char="§"/>
-              <a:defRPr sz="1800" kern="1200">
-                <a:solidFill>
-                  <a:schemeClr val="tx1"/>
-                </a:solidFill>
-                <a:latin typeface="+mn-lt"/>
-                <a:ea typeface="+mn-ea"/>
-                <a:cs typeface="+mn-cs"/>
-              </a:defRPr>
-            </a:lvl2pPr>
-            <a:lvl3pPr marL="731520" indent="-182880" algn="l" defTabSz="914400" rtl="0" eaLnBrk="1" latinLnBrk="0" hangingPunct="1">
-              <a:lnSpc>
-                <a:spcPct val="90000"/>
-              </a:lnSpc>
-              <a:spcBef>
-                <a:spcPts val="400"/>
-              </a:spcBef>
-              <a:spcAft>
-                <a:spcPts val="200"/>
-              </a:spcAft>
-              <a:buClr>
-                <a:schemeClr val="accent1">
-                  <a:lumMod val="75000"/>
-                </a:schemeClr>
-              </a:buClr>
-              <a:buSzPct val="85000"/>
-              <a:buFont typeface="Wingdings" pitchFamily="2" charset="2"/>
-              <a:buChar char="§"/>
-              <a:defRPr sz="1600" kern="1200">
-                <a:solidFill>
-                  <a:schemeClr val="tx1"/>
-                </a:solidFill>
-                <a:latin typeface="+mn-lt"/>
-                <a:ea typeface="+mn-ea"/>
-                <a:cs typeface="+mn-cs"/>
-              </a:defRPr>
-            </a:lvl3pPr>
-            <a:lvl4pPr marL="1005840" indent="-182880" algn="l" defTabSz="914400" rtl="0" eaLnBrk="1" latinLnBrk="0" hangingPunct="1">
-              <a:lnSpc>
-                <a:spcPct val="90000"/>
-              </a:lnSpc>
-              <a:spcBef>
-                <a:spcPts val="400"/>
-              </a:spcBef>
-              <a:spcAft>
-                <a:spcPts val="200"/>
-              </a:spcAft>
-              <a:buClr>
-                <a:schemeClr val="accent1">
-                  <a:lumMod val="75000"/>
-                </a:schemeClr>
-              </a:buClr>
-              <a:buSzPct val="85000"/>
-              <a:buFont typeface="Wingdings" pitchFamily="2" charset="2"/>
-              <a:buChar char="§"/>
-              <a:defRPr sz="1600" kern="1200">
-                <a:solidFill>
-                  <a:schemeClr val="tx1"/>
-                </a:solidFill>
-                <a:latin typeface="+mn-lt"/>
-                <a:ea typeface="+mn-ea"/>
-                <a:cs typeface="+mn-cs"/>
-              </a:defRPr>
-            </a:lvl4pPr>
-            <a:lvl5pPr marL="1280160" indent="-182880" algn="l" defTabSz="914400" rtl="0" eaLnBrk="1" latinLnBrk="0" hangingPunct="1">
-              <a:lnSpc>
-                <a:spcPct val="90000"/>
-              </a:lnSpc>
-              <a:spcBef>
-                <a:spcPts val="400"/>
-              </a:spcBef>
-              <a:spcAft>
-                <a:spcPts val="200"/>
-              </a:spcAft>
-              <a:buClr>
-                <a:schemeClr val="accent1">
-                  <a:lumMod val="75000"/>
-                </a:schemeClr>
-              </a:buClr>
-              <a:buSzPct val="85000"/>
-              <a:buFont typeface="Wingdings" pitchFamily="2" charset="2"/>
-              <a:buChar char="§"/>
-              <a:defRPr sz="1600" kern="1200">
-                <a:solidFill>
-                  <a:schemeClr val="tx1"/>
-                </a:solidFill>
-                <a:latin typeface="+mn-lt"/>
-                <a:ea typeface="+mn-ea"/>
-                <a:cs typeface="+mn-cs"/>
-              </a:defRPr>
-            </a:lvl5pPr>
-            <a:lvl6pPr marL="1600000" indent="-228600" algn="l" defTabSz="914400" rtl="0" eaLnBrk="1" latinLnBrk="0" hangingPunct="1">
-              <a:lnSpc>
-                <a:spcPct val="90000"/>
-              </a:lnSpc>
-              <a:spcBef>
-                <a:spcPts val="400"/>
-              </a:spcBef>
-              <a:spcAft>
-                <a:spcPts val="200"/>
-              </a:spcAft>
-              <a:buClr>
-                <a:schemeClr val="accent1">
-                  <a:lumMod val="75000"/>
-                </a:schemeClr>
-              </a:buClr>
-              <a:buSzPct val="85000"/>
-              <a:buFont typeface="Wingdings" pitchFamily="2" charset="2"/>
-              <a:buChar char="§"/>
-              <a:defRPr sz="1600" kern="1200">
-                <a:solidFill>
-                  <a:schemeClr val="tx1"/>
-                </a:solidFill>
-                <a:latin typeface="+mn-lt"/>
-                <a:ea typeface="+mn-ea"/>
-                <a:cs typeface="+mn-cs"/>
-              </a:defRPr>
-            </a:lvl6pPr>
-            <a:lvl7pPr marL="1900000" indent="-228600" algn="l" defTabSz="914400" rtl="0" eaLnBrk="1" latinLnBrk="0" hangingPunct="1">
-              <a:lnSpc>
-                <a:spcPct val="90000"/>
-              </a:lnSpc>
-              <a:spcBef>
-                <a:spcPts val="400"/>
-              </a:spcBef>
-              <a:spcAft>
-                <a:spcPts val="200"/>
-              </a:spcAft>
-              <a:buClr>
-                <a:schemeClr val="accent1">
-                  <a:lumMod val="75000"/>
-                </a:schemeClr>
-              </a:buClr>
-              <a:buSzPct val="85000"/>
-              <a:buFont typeface="Wingdings" pitchFamily="2" charset="2"/>
-              <a:buChar char="§"/>
-              <a:defRPr sz="1600" kern="1200">
-                <a:solidFill>
-                  <a:schemeClr val="tx1"/>
-                </a:solidFill>
-                <a:latin typeface="+mn-lt"/>
-                <a:ea typeface="+mn-ea"/>
-                <a:cs typeface="+mn-cs"/>
-              </a:defRPr>
-            </a:lvl7pPr>
-            <a:lvl8pPr marL="2200000" indent="-228600" algn="l" defTabSz="914400" rtl="0" eaLnBrk="1" latinLnBrk="0" hangingPunct="1">
-              <a:lnSpc>
-                <a:spcPct val="90000"/>
-              </a:lnSpc>
-              <a:spcBef>
-                <a:spcPts val="400"/>
-              </a:spcBef>
-              <a:spcAft>
-                <a:spcPts val="200"/>
-              </a:spcAft>
-              <a:buClr>
-                <a:schemeClr val="accent1">
-                  <a:lumMod val="75000"/>
-                </a:schemeClr>
-              </a:buClr>
-              <a:buSzPct val="85000"/>
-              <a:buFont typeface="Wingdings" pitchFamily="2" charset="2"/>
-              <a:buChar char="§"/>
-              <a:defRPr sz="1600" kern="1200">
-                <a:solidFill>
-                  <a:schemeClr val="tx1"/>
-                </a:solidFill>
-                <a:latin typeface="+mn-lt"/>
-                <a:ea typeface="+mn-ea"/>
-                <a:cs typeface="+mn-cs"/>
-              </a:defRPr>
-            </a:lvl8pPr>
-            <a:lvl9pPr marL="2500000" indent="-228600" algn="l" defTabSz="914400" rtl="0" eaLnBrk="1" latinLnBrk="0" hangingPunct="1">
-              <a:lnSpc>
-                <a:spcPct val="90000"/>
-              </a:lnSpc>
-              <a:spcBef>
-                <a:spcPts val="400"/>
-              </a:spcBef>
-              <a:spcAft>
-                <a:spcPts val="200"/>
-              </a:spcAft>
-              <a:buClr>
-                <a:schemeClr val="accent1">
-                  <a:lumMod val="75000"/>
-                </a:schemeClr>
-              </a:buClr>
-              <a:buSzPct val="85000"/>
-              <a:buFont typeface="Wingdings" pitchFamily="2" charset="2"/>
-              <a:buChar char="§"/>
-              <a:defRPr sz="1600" kern="1200">
-                <a:solidFill>
-                  <a:schemeClr val="tx1"/>
-                </a:solidFill>
-                <a:latin typeface="+mn-lt"/>
-                <a:ea typeface="+mn-ea"/>
-                <a:cs typeface="+mn-cs"/>
-              </a:defRPr>
-            </a:lvl9pPr>
-          </a:lstStyle>
-          <a:p>
-            <a:pPr marL="0" indent="0">
-              <a:buNone/>
-            </a:pPr>
-            <a:r>
-              <a:rPr lang="en-US" sz="1400" dirty="0">
-                <a:latin typeface="Cascadia Mono" pitchFamily="50" charset="0"/>
-                <a:cs typeface="Cascadia Mono" pitchFamily="50" charset="0"/>
-              </a:rPr>
-              <a:t>PS&gt; cd </a:t>
-            </a:r>
-            <a:r>
-              <a:rPr lang="en-US" sz="1400" dirty="0" err="1">
-                <a:latin typeface="Cascadia Mono" pitchFamily="50" charset="0"/>
-                <a:cs typeface="Cascadia Mono" pitchFamily="50" charset="0"/>
-              </a:rPr>
-              <a:t>QuestionPrj</a:t>
-            </a:r>
-            <a:endParaRPr lang="en-US" sz="1400" dirty="0">
-              <a:latin typeface="Cascadia Mono" pitchFamily="50" charset="0"/>
-              <a:cs typeface="Cascadia Mono" pitchFamily="50" charset="0"/>
-            </a:endParaRPr>
-          </a:p>
-          <a:p>
-            <a:pPr marL="0" indent="0">
-              <a:buNone/>
-            </a:pPr>
-            <a:r>
-              <a:rPr lang="en-US" sz="1400" dirty="0">
-                <a:latin typeface="Cascadia Mono" pitchFamily="50" charset="0"/>
-                <a:cs typeface="Cascadia Mono" pitchFamily="50" charset="0"/>
-              </a:rPr>
-              <a:t>PS&gt; </a:t>
-            </a:r>
-            <a:r>
-              <a:rPr lang="en-US" sz="1400" dirty="0" err="1">
-                <a:latin typeface="Cascadia Mono" pitchFamily="50" charset="0"/>
-                <a:cs typeface="Cascadia Mono" pitchFamily="50" charset="0"/>
-              </a:rPr>
-              <a:t>pipenv</a:t>
-            </a:r>
-            <a:r>
-              <a:rPr lang="en-US" sz="1400" dirty="0">
-                <a:latin typeface="Cascadia Mono" pitchFamily="50" charset="0"/>
-                <a:cs typeface="Cascadia Mono" pitchFamily="50" charset="0"/>
-              </a:rPr>
-              <a:t> shell</a:t>
-            </a:r>
-          </a:p>
-          <a:p>
-            <a:pPr marL="0" indent="0">
-              <a:buNone/>
-            </a:pPr>
-            <a:r>
-              <a:rPr lang="en-US" sz="1400" dirty="0">
-                <a:latin typeface="Cascadia Mono" pitchFamily="50" charset="0"/>
-                <a:cs typeface="Cascadia Mono" pitchFamily="50" charset="0"/>
-              </a:rPr>
-              <a:t>PS&gt; </a:t>
-            </a:r>
-            <a:r>
-              <a:rPr lang="en-US" sz="1400" dirty="0" err="1">
-                <a:latin typeface="Cascadia Mono" pitchFamily="50" charset="0"/>
-                <a:cs typeface="Cascadia Mono" pitchFamily="50" charset="0"/>
-              </a:rPr>
-              <a:t>py</a:t>
-            </a:r>
-            <a:r>
-              <a:rPr lang="en-US" sz="1400" dirty="0">
-                <a:latin typeface="Cascadia Mono" pitchFamily="50" charset="0"/>
-                <a:cs typeface="Cascadia Mono" pitchFamily="50" charset="0"/>
-              </a:rPr>
-              <a:t> manage.py </a:t>
-            </a:r>
-            <a:r>
-              <a:rPr lang="en-US" sz="1400" dirty="0" err="1">
-                <a:latin typeface="Cascadia Mono" pitchFamily="50" charset="0"/>
-                <a:cs typeface="Cascadia Mono" pitchFamily="50" charset="0"/>
-              </a:rPr>
-              <a:t>runserver</a:t>
-            </a:r>
-            <a:r>
-              <a:rPr lang="en-US" sz="1400" dirty="0">
-                <a:latin typeface="Cascadia Mono" pitchFamily="50" charset="0"/>
-                <a:cs typeface="Cascadia Mono" pitchFamily="50" charset="0"/>
-              </a:rPr>
-              <a:t> </a:t>
             </a:r>
           </a:p>
         </p:txBody>
